--- a/English/6.Visuals/3.The Ribbon.pptx
+++ b/English/6.Visuals/3.The Ribbon.pptx
@@ -5,7 +5,7 @@
     <p:sldMasterId id="2147483648" r:id="rId1"/>
   </p:sldMasterIdLst>
   <p:notesMasterIdLst>
-    <p:notesMasterId r:id="rId8"/>
+    <p:notesMasterId r:id="rId10"/>
   </p:notesMasterIdLst>
   <p:sldIdLst>
     <p:sldId id="256" r:id="rId2"/>
@@ -13,7 +13,9 @@
     <p:sldId id="259" r:id="rId4"/>
     <p:sldId id="260" r:id="rId5"/>
     <p:sldId id="261" r:id="rId6"/>
-    <p:sldId id="258" r:id="rId7"/>
+    <p:sldId id="262" r:id="rId7"/>
+    <p:sldId id="263" r:id="rId8"/>
+    <p:sldId id="258" r:id="rId9"/>
   </p:sldIdLst>
   <p:sldSz cx="12192000" cy="6858000"/>
   <p:notesSz cx="6858000" cy="9144000"/>
@@ -202,7 +204,7 @@
           <a:p>
             <a:fld id="{056BA3B8-9F76-4D81-B71D-76CB85363062}" type="datetimeFigureOut">
               <a:rPr lang="en-US" smtClean="0"/>
-              <a:t>4/3/2025</a:t>
+              <a:t>4/6/2025</a:t>
             </a:fld>
             <a:endParaRPr lang="en-US"/>
           </a:p>
@@ -535,7 +537,7 @@
           <a:p>
             <a:fld id="{C583D03D-12F8-4E91-BBC2-CE3A863157FF}" type="slidenum">
               <a:rPr lang="en-US" smtClean="0"/>
-              <a:t>5</a:t>
+              <a:t>3</a:t>
             </a:fld>
             <a:endParaRPr lang="en-US"/>
           </a:p>
@@ -544,7 +546,343 @@
     </p:spTree>
     <p:extLst>
       <p:ext uri="{BB962C8B-B14F-4D97-AF65-F5344CB8AC3E}">
-        <p14:creationId xmlns:p14="http://schemas.microsoft.com/office/powerpoint/2010/main" val="1625906844"/>
+        <p14:creationId xmlns:p14="http://schemas.microsoft.com/office/powerpoint/2010/main" val="3697656526"/>
+      </p:ext>
+    </p:extLst>
+  </p:cSld>
+  <p:clrMapOvr>
+    <a:masterClrMapping/>
+  </p:clrMapOvr>
+</p:notes>
+</file>
+
+<file path=ppt/notesSlides/notesSlide2.xml><?xml version="1.0" encoding="utf-8"?>
+<p:notes xmlns:a="http://schemas.openxmlformats.org/drawingml/2006/main" xmlns:r="http://schemas.openxmlformats.org/officeDocument/2006/relationships" xmlns:p="http://schemas.openxmlformats.org/presentationml/2006/main">
+  <p:cSld>
+    <p:spTree>
+      <p:nvGrpSpPr>
+        <p:cNvPr id="1" name=""/>
+        <p:cNvGrpSpPr/>
+        <p:nvPr/>
+      </p:nvGrpSpPr>
+      <p:grpSpPr>
+        <a:xfrm>
+          <a:off x="0" y="0"/>
+          <a:ext cx="0" cy="0"/>
+          <a:chOff x="0" y="0"/>
+          <a:chExt cx="0" cy="0"/>
+        </a:xfrm>
+      </p:grpSpPr>
+      <p:sp>
+        <p:nvSpPr>
+          <p:cNvPr id="2" name="Slide Image Placeholder 1"/>
+          <p:cNvSpPr>
+            <a:spLocks noGrp="1" noRot="1" noChangeAspect="1"/>
+          </p:cNvSpPr>
+          <p:nvPr>
+            <p:ph type="sldImg"/>
+          </p:nvPr>
+        </p:nvSpPr>
+        <p:spPr/>
+      </p:sp>
+      <p:sp>
+        <p:nvSpPr>
+          <p:cNvPr id="3" name="Notes Placeholder 2"/>
+          <p:cNvSpPr>
+            <a:spLocks noGrp="1"/>
+          </p:cNvSpPr>
+          <p:nvPr>
+            <p:ph type="body" idx="1"/>
+          </p:nvPr>
+        </p:nvSpPr>
+        <p:spPr/>
+        <p:txBody>
+          <a:bodyPr/>
+          <a:lstStyle/>
+          <a:p>
+            <a:endParaRPr lang="en-US" dirty="0"/>
+          </a:p>
+        </p:txBody>
+      </p:sp>
+      <p:sp>
+        <p:nvSpPr>
+          <p:cNvPr id="4" name="Slide Number Placeholder 3"/>
+          <p:cNvSpPr>
+            <a:spLocks noGrp="1"/>
+          </p:cNvSpPr>
+          <p:nvPr>
+            <p:ph type="sldNum" sz="quarter" idx="10"/>
+          </p:nvPr>
+        </p:nvSpPr>
+        <p:spPr/>
+        <p:txBody>
+          <a:bodyPr/>
+          <a:lstStyle/>
+          <a:p>
+            <a:fld id="{C583D03D-12F8-4E91-BBC2-CE3A863157FF}" type="slidenum">
+              <a:rPr lang="en-US" smtClean="0"/>
+              <a:t>4</a:t>
+            </a:fld>
+            <a:endParaRPr lang="en-US"/>
+          </a:p>
+        </p:txBody>
+      </p:sp>
+    </p:spTree>
+    <p:extLst>
+      <p:ext uri="{BB962C8B-B14F-4D97-AF65-F5344CB8AC3E}">
+        <p14:creationId xmlns:p14="http://schemas.microsoft.com/office/powerpoint/2010/main" val="615785212"/>
+      </p:ext>
+    </p:extLst>
+  </p:cSld>
+  <p:clrMapOvr>
+    <a:masterClrMapping/>
+  </p:clrMapOvr>
+</p:notes>
+</file>
+
+<file path=ppt/notesSlides/notesSlide3.xml><?xml version="1.0" encoding="utf-8"?>
+<p:notes xmlns:a="http://schemas.openxmlformats.org/drawingml/2006/main" xmlns:r="http://schemas.openxmlformats.org/officeDocument/2006/relationships" xmlns:p="http://schemas.openxmlformats.org/presentationml/2006/main">
+  <p:cSld>
+    <p:spTree>
+      <p:nvGrpSpPr>
+        <p:cNvPr id="1" name=""/>
+        <p:cNvGrpSpPr/>
+        <p:nvPr/>
+      </p:nvGrpSpPr>
+      <p:grpSpPr>
+        <a:xfrm>
+          <a:off x="0" y="0"/>
+          <a:ext cx="0" cy="0"/>
+          <a:chOff x="0" y="0"/>
+          <a:chExt cx="0" cy="0"/>
+        </a:xfrm>
+      </p:grpSpPr>
+      <p:sp>
+        <p:nvSpPr>
+          <p:cNvPr id="2" name="Slide Image Placeholder 1"/>
+          <p:cNvSpPr>
+            <a:spLocks noGrp="1" noRot="1" noChangeAspect="1"/>
+          </p:cNvSpPr>
+          <p:nvPr>
+            <p:ph type="sldImg"/>
+          </p:nvPr>
+        </p:nvSpPr>
+        <p:spPr/>
+      </p:sp>
+      <p:sp>
+        <p:nvSpPr>
+          <p:cNvPr id="3" name="Notes Placeholder 2"/>
+          <p:cNvSpPr>
+            <a:spLocks noGrp="1"/>
+          </p:cNvSpPr>
+          <p:nvPr>
+            <p:ph type="body" idx="1"/>
+          </p:nvPr>
+        </p:nvSpPr>
+        <p:spPr/>
+        <p:txBody>
+          <a:bodyPr/>
+          <a:lstStyle/>
+          <a:p>
+            <a:endParaRPr lang="en-US" dirty="0"/>
+          </a:p>
+        </p:txBody>
+      </p:sp>
+      <p:sp>
+        <p:nvSpPr>
+          <p:cNvPr id="4" name="Slide Number Placeholder 3"/>
+          <p:cNvSpPr>
+            <a:spLocks noGrp="1"/>
+          </p:cNvSpPr>
+          <p:nvPr>
+            <p:ph type="sldNum" sz="quarter" idx="10"/>
+          </p:nvPr>
+        </p:nvSpPr>
+        <p:spPr/>
+        <p:txBody>
+          <a:bodyPr/>
+          <a:lstStyle/>
+          <a:p>
+            <a:fld id="{C583D03D-12F8-4E91-BBC2-CE3A863157FF}" type="slidenum">
+              <a:rPr lang="en-US" smtClean="0"/>
+              <a:t>5</a:t>
+            </a:fld>
+            <a:endParaRPr lang="en-US"/>
+          </a:p>
+        </p:txBody>
+      </p:sp>
+    </p:spTree>
+    <p:extLst>
+      <p:ext uri="{BB962C8B-B14F-4D97-AF65-F5344CB8AC3E}">
+        <p14:creationId xmlns:p14="http://schemas.microsoft.com/office/powerpoint/2010/main" val="2453236274"/>
+      </p:ext>
+    </p:extLst>
+  </p:cSld>
+  <p:clrMapOvr>
+    <a:masterClrMapping/>
+  </p:clrMapOvr>
+</p:notes>
+</file>
+
+<file path=ppt/notesSlides/notesSlide4.xml><?xml version="1.0" encoding="utf-8"?>
+<p:notes xmlns:a="http://schemas.openxmlformats.org/drawingml/2006/main" xmlns:r="http://schemas.openxmlformats.org/officeDocument/2006/relationships" xmlns:p="http://schemas.openxmlformats.org/presentationml/2006/main">
+  <p:cSld>
+    <p:spTree>
+      <p:nvGrpSpPr>
+        <p:cNvPr id="1" name=""/>
+        <p:cNvGrpSpPr/>
+        <p:nvPr/>
+      </p:nvGrpSpPr>
+      <p:grpSpPr>
+        <a:xfrm>
+          <a:off x="0" y="0"/>
+          <a:ext cx="0" cy="0"/>
+          <a:chOff x="0" y="0"/>
+          <a:chExt cx="0" cy="0"/>
+        </a:xfrm>
+      </p:grpSpPr>
+      <p:sp>
+        <p:nvSpPr>
+          <p:cNvPr id="2" name="Slide Image Placeholder 1"/>
+          <p:cNvSpPr>
+            <a:spLocks noGrp="1" noRot="1" noChangeAspect="1"/>
+          </p:cNvSpPr>
+          <p:nvPr>
+            <p:ph type="sldImg"/>
+          </p:nvPr>
+        </p:nvSpPr>
+        <p:spPr/>
+      </p:sp>
+      <p:sp>
+        <p:nvSpPr>
+          <p:cNvPr id="3" name="Notes Placeholder 2"/>
+          <p:cNvSpPr>
+            <a:spLocks noGrp="1"/>
+          </p:cNvSpPr>
+          <p:nvPr>
+            <p:ph type="body" idx="1"/>
+          </p:nvPr>
+        </p:nvSpPr>
+        <p:spPr/>
+        <p:txBody>
+          <a:bodyPr/>
+          <a:lstStyle/>
+          <a:p>
+            <a:endParaRPr lang="en-US" dirty="0"/>
+          </a:p>
+        </p:txBody>
+      </p:sp>
+      <p:sp>
+        <p:nvSpPr>
+          <p:cNvPr id="4" name="Slide Number Placeholder 3"/>
+          <p:cNvSpPr>
+            <a:spLocks noGrp="1"/>
+          </p:cNvSpPr>
+          <p:nvPr>
+            <p:ph type="sldNum" sz="quarter" idx="10"/>
+          </p:nvPr>
+        </p:nvSpPr>
+        <p:spPr/>
+        <p:txBody>
+          <a:bodyPr/>
+          <a:lstStyle/>
+          <a:p>
+            <a:fld id="{C583D03D-12F8-4E91-BBC2-CE3A863157FF}" type="slidenum">
+              <a:rPr lang="en-US" smtClean="0"/>
+              <a:t>6</a:t>
+            </a:fld>
+            <a:endParaRPr lang="en-US"/>
+          </a:p>
+        </p:txBody>
+      </p:sp>
+    </p:spTree>
+    <p:extLst>
+      <p:ext uri="{BB962C8B-B14F-4D97-AF65-F5344CB8AC3E}">
+        <p14:creationId xmlns:p14="http://schemas.microsoft.com/office/powerpoint/2010/main" val="1449921146"/>
+      </p:ext>
+    </p:extLst>
+  </p:cSld>
+  <p:clrMapOvr>
+    <a:masterClrMapping/>
+  </p:clrMapOvr>
+</p:notes>
+</file>
+
+<file path=ppt/notesSlides/notesSlide5.xml><?xml version="1.0" encoding="utf-8"?>
+<p:notes xmlns:a="http://schemas.openxmlformats.org/drawingml/2006/main" xmlns:r="http://schemas.openxmlformats.org/officeDocument/2006/relationships" xmlns:p="http://schemas.openxmlformats.org/presentationml/2006/main">
+  <p:cSld>
+    <p:spTree>
+      <p:nvGrpSpPr>
+        <p:cNvPr id="1" name=""/>
+        <p:cNvGrpSpPr/>
+        <p:nvPr/>
+      </p:nvGrpSpPr>
+      <p:grpSpPr>
+        <a:xfrm>
+          <a:off x="0" y="0"/>
+          <a:ext cx="0" cy="0"/>
+          <a:chOff x="0" y="0"/>
+          <a:chExt cx="0" cy="0"/>
+        </a:xfrm>
+      </p:grpSpPr>
+      <p:sp>
+        <p:nvSpPr>
+          <p:cNvPr id="2" name="Slide Image Placeholder 1"/>
+          <p:cNvSpPr>
+            <a:spLocks noGrp="1" noRot="1" noChangeAspect="1"/>
+          </p:cNvSpPr>
+          <p:nvPr>
+            <p:ph type="sldImg"/>
+          </p:nvPr>
+        </p:nvSpPr>
+        <p:spPr/>
+      </p:sp>
+      <p:sp>
+        <p:nvSpPr>
+          <p:cNvPr id="3" name="Notes Placeholder 2"/>
+          <p:cNvSpPr>
+            <a:spLocks noGrp="1"/>
+          </p:cNvSpPr>
+          <p:nvPr>
+            <p:ph type="body" idx="1"/>
+          </p:nvPr>
+        </p:nvSpPr>
+        <p:spPr/>
+        <p:txBody>
+          <a:bodyPr/>
+          <a:lstStyle/>
+          <a:p>
+            <a:endParaRPr lang="en-US" dirty="0"/>
+          </a:p>
+        </p:txBody>
+      </p:sp>
+      <p:sp>
+        <p:nvSpPr>
+          <p:cNvPr id="4" name="Slide Number Placeholder 3"/>
+          <p:cNvSpPr>
+            <a:spLocks noGrp="1"/>
+          </p:cNvSpPr>
+          <p:nvPr>
+            <p:ph type="sldNum" sz="quarter" idx="10"/>
+          </p:nvPr>
+        </p:nvSpPr>
+        <p:spPr/>
+        <p:txBody>
+          <a:bodyPr/>
+          <a:lstStyle/>
+          <a:p>
+            <a:fld id="{C583D03D-12F8-4E91-BBC2-CE3A863157FF}" type="slidenum">
+              <a:rPr lang="en-US" smtClean="0"/>
+              <a:t>7</a:t>
+            </a:fld>
+            <a:endParaRPr lang="en-US"/>
+          </a:p>
+        </p:txBody>
+      </p:sp>
+    </p:spTree>
+    <p:extLst>
+      <p:ext uri="{BB962C8B-B14F-4D97-AF65-F5344CB8AC3E}">
+        <p14:creationId xmlns:p14="http://schemas.microsoft.com/office/powerpoint/2010/main" val="1655911944"/>
       </p:ext>
     </p:extLst>
   </p:cSld>
@@ -685,7 +1023,7 @@
           <a:p>
             <a:fld id="{6F01DA4D-20EA-48D2-973C-0311EC3005D6}" type="datetimeFigureOut">
               <a:rPr lang="en-US" smtClean="0"/>
-              <a:t>4/3/2025</a:t>
+              <a:t>4/6/2025</a:t>
             </a:fld>
             <a:endParaRPr lang="en-US"/>
           </a:p>
@@ -855,7 +1193,7 @@
           <a:p>
             <a:fld id="{6F01DA4D-20EA-48D2-973C-0311EC3005D6}" type="datetimeFigureOut">
               <a:rPr lang="en-US" smtClean="0"/>
-              <a:t>4/3/2025</a:t>
+              <a:t>4/6/2025</a:t>
             </a:fld>
             <a:endParaRPr lang="en-US"/>
           </a:p>
@@ -1035,7 +1373,7 @@
           <a:p>
             <a:fld id="{6F01DA4D-20EA-48D2-973C-0311EC3005D6}" type="datetimeFigureOut">
               <a:rPr lang="en-US" smtClean="0"/>
-              <a:t>4/3/2025</a:t>
+              <a:t>4/6/2025</a:t>
             </a:fld>
             <a:endParaRPr lang="en-US"/>
           </a:p>
@@ -1205,7 +1543,7 @@
           <a:p>
             <a:fld id="{6F01DA4D-20EA-48D2-973C-0311EC3005D6}" type="datetimeFigureOut">
               <a:rPr lang="en-US" smtClean="0"/>
-              <a:t>4/3/2025</a:t>
+              <a:t>4/6/2025</a:t>
             </a:fld>
             <a:endParaRPr lang="en-US"/>
           </a:p>
@@ -1451,7 +1789,7 @@
           <a:p>
             <a:fld id="{6F01DA4D-20EA-48D2-973C-0311EC3005D6}" type="datetimeFigureOut">
               <a:rPr lang="en-US" smtClean="0"/>
-              <a:t>4/3/2025</a:t>
+              <a:t>4/6/2025</a:t>
             </a:fld>
             <a:endParaRPr lang="en-US"/>
           </a:p>
@@ -1683,7 +2021,7 @@
           <a:p>
             <a:fld id="{6F01DA4D-20EA-48D2-973C-0311EC3005D6}" type="datetimeFigureOut">
               <a:rPr lang="en-US" smtClean="0"/>
-              <a:t>4/3/2025</a:t>
+              <a:t>4/6/2025</a:t>
             </a:fld>
             <a:endParaRPr lang="en-US"/>
           </a:p>
@@ -2050,7 +2388,7 @@
           <a:p>
             <a:fld id="{6F01DA4D-20EA-48D2-973C-0311EC3005D6}" type="datetimeFigureOut">
               <a:rPr lang="en-US" smtClean="0"/>
-              <a:t>4/3/2025</a:t>
+              <a:t>4/6/2025</a:t>
             </a:fld>
             <a:endParaRPr lang="en-US"/>
           </a:p>
@@ -2168,7 +2506,7 @@
           <a:p>
             <a:fld id="{6F01DA4D-20EA-48D2-973C-0311EC3005D6}" type="datetimeFigureOut">
               <a:rPr lang="en-US" smtClean="0"/>
-              <a:t>4/3/2025</a:t>
+              <a:t>4/6/2025</a:t>
             </a:fld>
             <a:endParaRPr lang="en-US"/>
           </a:p>
@@ -2263,7 +2601,7 @@
           <a:p>
             <a:fld id="{6F01DA4D-20EA-48D2-973C-0311EC3005D6}" type="datetimeFigureOut">
               <a:rPr lang="en-US" smtClean="0"/>
-              <a:t>4/3/2025</a:t>
+              <a:t>4/6/2025</a:t>
             </a:fld>
             <a:endParaRPr lang="en-US"/>
           </a:p>
@@ -2540,7 +2878,7 @@
           <a:p>
             <a:fld id="{6F01DA4D-20EA-48D2-973C-0311EC3005D6}" type="datetimeFigureOut">
               <a:rPr lang="en-US" smtClean="0"/>
-              <a:t>4/3/2025</a:t>
+              <a:t>4/6/2025</a:t>
             </a:fld>
             <a:endParaRPr lang="en-US"/>
           </a:p>
@@ -2793,7 +3131,7 @@
           <a:p>
             <a:fld id="{6F01DA4D-20EA-48D2-973C-0311EC3005D6}" type="datetimeFigureOut">
               <a:rPr lang="en-US" smtClean="0"/>
-              <a:t>4/3/2025</a:t>
+              <a:t>4/6/2025</a:t>
             </a:fld>
             <a:endParaRPr lang="en-US"/>
           </a:p>
@@ -3006,7 +3344,7 @@
           <a:p>
             <a:fld id="{6F01DA4D-20EA-48D2-973C-0311EC3005D6}" type="datetimeFigureOut">
               <a:rPr lang="en-US" smtClean="0"/>
-              <a:t>4/3/2025</a:t>
+              <a:t>4/6/2025</a:t>
             </a:fld>
             <a:endParaRPr lang="en-US"/>
           </a:p>
@@ -3559,409 +3897,9 @@
           <a:chExt cx="0" cy="0"/>
         </a:xfrm>
       </p:grpSpPr>
-      <p:sp>
-        <p:nvSpPr>
-          <p:cNvPr id="2" name="TextBox 1"/>
-          <p:cNvSpPr txBox="1"/>
-          <p:nvPr/>
-        </p:nvSpPr>
-        <p:spPr>
-          <a:xfrm>
-            <a:off x="323133" y="192505"/>
-            <a:ext cx="1744388" cy="461665"/>
-          </a:xfrm>
-          <a:prstGeom prst="rect">
-            <a:avLst/>
-          </a:prstGeom>
-          <a:noFill/>
-        </p:spPr>
-        <p:txBody>
-          <a:bodyPr wrap="none" rtlCol="0">
-            <a:spAutoFit/>
-          </a:bodyPr>
-          <a:lstStyle/>
-          <a:p>
-            <a:r>
-              <a:rPr lang="en" sz="2400" dirty="0" smtClean="0">
-                <a:latin typeface="Segoe UI" panose="020B0502040204020203" pitchFamily="34" charset="0"/>
-                <a:cs typeface="Segoe UI" panose="020B0502040204020203" pitchFamily="34" charset="0"/>
-              </a:rPr>
-              <a:t>The ribbon</a:t>
-            </a:r>
-            <a:endParaRPr lang="en-US" sz="2400" dirty="0">
-              <a:latin typeface="Segoe UI" panose="020B0502040204020203" pitchFamily="34" charset="0"/>
-              <a:cs typeface="Segoe UI" panose="020B0502040204020203" pitchFamily="34" charset="0"/>
-            </a:endParaRPr>
-          </a:p>
-        </p:txBody>
-      </p:sp>
-      <p:sp>
-        <p:nvSpPr>
-          <p:cNvPr id="3" name="Rectangle 2"/>
-          <p:cNvSpPr/>
-          <p:nvPr/>
-        </p:nvSpPr>
-        <p:spPr>
-          <a:xfrm>
-            <a:off x="435428" y="979677"/>
-            <a:ext cx="10778003" cy="388696"/>
-          </a:xfrm>
-          <a:prstGeom prst="rect">
-            <a:avLst/>
-          </a:prstGeom>
-        </p:spPr>
-        <p:txBody>
-          <a:bodyPr wrap="square">
-            <a:spAutoFit/>
-          </a:bodyPr>
-          <a:lstStyle/>
-          <a:p>
-            <a:pPr lvl="0">
-              <a:lnSpc>
-                <a:spcPct val="107000"/>
-              </a:lnSpc>
-              <a:spcAft>
-                <a:spcPts val="0"/>
-              </a:spcAft>
-            </a:pPr>
-            <a:r>
-              <a:rPr lang="en" dirty="0" err="1">
-                <a:latin typeface="Segoe UI" panose="020B0502040204020203" pitchFamily="34" charset="0"/>
-                <a:ea typeface="Calibri" panose="020F0502020204030204" pitchFamily="34" charset="0"/>
-                <a:cs typeface="Times New Roman" panose="02020603050405020304" pitchFamily="18" charset="0"/>
-              </a:rPr>
-              <a:t>Add </a:t>
-            </a:r>
-            <a:r>
-              <a:rPr lang="en" dirty="0">
-                <a:latin typeface="Segoe UI" panose="020B0502040204020203" pitchFamily="34" charset="0"/>
-                <a:ea typeface="Calibri" panose="020F0502020204030204" pitchFamily="34" charset="0"/>
-                <a:cs typeface="Times New Roman" panose="02020603050405020304" pitchFamily="18" charset="0"/>
-              </a:rPr>
-              <a:t>a </a:t>
-            </a:r>
-            <a:r>
-              <a:rPr lang="en" dirty="0" err="1">
-                <a:latin typeface="Segoe UI" panose="020B0502040204020203" pitchFamily="34" charset="0"/>
-                <a:ea typeface="Calibri" panose="020F0502020204030204" pitchFamily="34" charset="0"/>
-                <a:cs typeface="Times New Roman" panose="02020603050405020304" pitchFamily="18" charset="0"/>
-              </a:rPr>
-              <a:t>ribbon </a:t>
-            </a:r>
-            <a:r>
-              <a:rPr lang="en" dirty="0">
-                <a:latin typeface="Segoe UI" panose="020B0502040204020203" pitchFamily="34" charset="0"/>
-                <a:ea typeface="Calibri" panose="020F0502020204030204" pitchFamily="34" charset="0"/>
-                <a:cs typeface="Times New Roman" panose="02020603050405020304" pitchFamily="18" charset="0"/>
-              </a:rPr>
-              <a:t>to the </a:t>
-            </a:r>
-            <a:r>
-              <a:rPr lang="en" dirty="0" err="1">
-                <a:latin typeface="Segoe UI" panose="020B0502040204020203" pitchFamily="34" charset="0"/>
-                <a:ea typeface="Calibri" panose="020F0502020204030204" pitchFamily="34" charset="0"/>
-                <a:cs typeface="Times New Roman" panose="02020603050405020304" pitchFamily="18" charset="0"/>
-              </a:rPr>
-              <a:t>scene </a:t>
-            </a:r>
-            <a:r>
-              <a:rPr lang="en" dirty="0">
-                <a:latin typeface="Segoe UI" panose="020B0502040204020203" pitchFamily="34" charset="0"/>
-                <a:ea typeface="Calibri" panose="020F0502020204030204" pitchFamily="34" charset="0"/>
-                <a:cs typeface="Times New Roman" panose="02020603050405020304" pitchFamily="18" charset="0"/>
-              </a:rPr>
-              <a:t>and </a:t>
-            </a:r>
-            <a:r>
-              <a:rPr lang="en" dirty="0" err="1">
-                <a:latin typeface="Segoe UI" panose="020B0502040204020203" pitchFamily="34" charset="0"/>
-                <a:ea typeface="Calibri" panose="020F0502020204030204" pitchFamily="34" charset="0"/>
-                <a:cs typeface="Times New Roman" panose="02020603050405020304" pitchFamily="18" charset="0"/>
-              </a:rPr>
-              <a:t>try </a:t>
-            </a:r>
-            <a:r>
-              <a:rPr lang="en" dirty="0">
-                <a:latin typeface="Segoe UI" panose="020B0502040204020203" pitchFamily="34" charset="0"/>
-                <a:ea typeface="Calibri" panose="020F0502020204030204" pitchFamily="34" charset="0"/>
-                <a:cs typeface="Times New Roman" panose="02020603050405020304" pitchFamily="18" charset="0"/>
-              </a:rPr>
-              <a:t>to </a:t>
-            </a:r>
-            <a:r>
-              <a:rPr lang="en" dirty="0" err="1">
-                <a:latin typeface="Segoe UI" panose="020B0502040204020203" pitchFamily="34" charset="0"/>
-                <a:ea typeface="Calibri" panose="020F0502020204030204" pitchFamily="34" charset="0"/>
-                <a:cs typeface="Times New Roman" panose="02020603050405020304" pitchFamily="18" charset="0"/>
-              </a:rPr>
-              <a:t>represent </a:t>
-            </a:r>
-            <a:r>
-              <a:rPr lang="en" dirty="0">
-                <a:latin typeface="Segoe UI" panose="020B0502040204020203" pitchFamily="34" charset="0"/>
-                <a:ea typeface="Calibri" panose="020F0502020204030204" pitchFamily="34" charset="0"/>
-                <a:cs typeface="Times New Roman" panose="02020603050405020304" pitchFamily="18" charset="0"/>
-              </a:rPr>
-              <a:t>the </a:t>
-            </a:r>
-            <a:r>
-              <a:rPr lang="en" b="1" dirty="0" err="1" smtClean="0">
-                <a:latin typeface="Segoe UI" panose="020B0502040204020203" pitchFamily="34" charset="0"/>
-                <a:ea typeface="Calibri" panose="020F0502020204030204" pitchFamily="34" charset="0"/>
-                <a:cs typeface="Times New Roman" panose="02020603050405020304" pitchFamily="18" charset="0"/>
-              </a:rPr>
-              <a:t>quantity ordered</a:t>
-            </a:r>
-            <a:r>
-              <a:rPr lang="en" b="1" dirty="0" smtClean="0">
-                <a:latin typeface="Segoe UI" panose="020B0502040204020203" pitchFamily="34" charset="0"/>
-                <a:ea typeface="Calibri" panose="020F0502020204030204" pitchFamily="34" charset="0"/>
-                <a:cs typeface="Times New Roman" panose="02020603050405020304" pitchFamily="18" charset="0"/>
-              </a:rPr>
-              <a:t> </a:t>
-            </a:r>
-            <a:r>
-              <a:rPr lang="en" b="1" dirty="0" err="1">
-                <a:latin typeface="Segoe UI" panose="020B0502040204020203" pitchFamily="34" charset="0"/>
-                <a:ea typeface="Calibri" panose="020F0502020204030204" pitchFamily="34" charset="0"/>
-                <a:cs typeface="Times New Roman" panose="02020603050405020304" pitchFamily="18" charset="0"/>
-              </a:rPr>
-              <a:t>field</a:t>
-            </a:r>
-            <a:r>
-              <a:rPr lang="en" dirty="0">
-                <a:latin typeface="Segoe UI" panose="020B0502040204020203" pitchFamily="34" charset="0"/>
-                <a:ea typeface="Calibri" panose="020F0502020204030204" pitchFamily="34" charset="0"/>
-                <a:cs typeface="Times New Roman" panose="02020603050405020304" pitchFamily="18" charset="0"/>
-              </a:rPr>
-              <a:t> </a:t>
-            </a:r>
-            <a:r>
-              <a:rPr lang="en" dirty="0" smtClean="0">
-                <a:latin typeface="Segoe UI" panose="020B0502040204020203" pitchFamily="34" charset="0"/>
-                <a:ea typeface="Calibri" panose="020F0502020204030204" pitchFamily="34" charset="0"/>
-                <a:cs typeface="Times New Roman" panose="02020603050405020304" pitchFamily="18" charset="0"/>
-              </a:rPr>
-              <a:t>By </a:t>
-            </a:r>
-            <a:r>
-              <a:rPr lang="en" dirty="0" err="1">
-                <a:latin typeface="Segoe UI" panose="020B0502040204020203" pitchFamily="34" charset="0"/>
-                <a:ea typeface="Calibri" panose="020F0502020204030204" pitchFamily="34" charset="0"/>
-                <a:cs typeface="Times New Roman" panose="02020603050405020304" pitchFamily="18" charset="0"/>
-              </a:rPr>
-              <a:t>adding</a:t>
-            </a:r>
-            <a:r>
-              <a:rPr lang="en" dirty="0">
-                <a:latin typeface="Segoe UI" panose="020B0502040204020203" pitchFamily="34" charset="0"/>
-                <a:ea typeface="Calibri" panose="020F0502020204030204" pitchFamily="34" charset="0"/>
-                <a:cs typeface="Times New Roman" panose="02020603050405020304" pitchFamily="18" charset="0"/>
-              </a:rPr>
-              <a:t> </a:t>
-            </a:r>
-            <a:r>
-              <a:rPr lang="en" dirty="0" err="1">
-                <a:latin typeface="Segoe UI" panose="020B0502040204020203" pitchFamily="34" charset="0"/>
-                <a:ea typeface="Calibri" panose="020F0502020204030204" pitchFamily="34" charset="0"/>
-                <a:cs typeface="Times New Roman" panose="02020603050405020304" pitchFamily="18" charset="0"/>
-              </a:rPr>
-              <a:t>on </a:t>
-            </a:r>
-            <a:r>
-              <a:rPr lang="en" dirty="0">
-                <a:latin typeface="Segoe UI" panose="020B0502040204020203" pitchFamily="34" charset="0"/>
-                <a:ea typeface="Calibri" panose="020F0502020204030204" pitchFamily="34" charset="0"/>
-                <a:cs typeface="Times New Roman" panose="02020603050405020304" pitchFamily="18" charset="0"/>
-              </a:rPr>
-              <a:t>the </a:t>
-            </a:r>
-            <a:r>
-              <a:rPr lang="en" b="1" dirty="0" smtClean="0">
-                <a:latin typeface="Segoe UI" panose="020B0502040204020203" pitchFamily="34" charset="0"/>
-                <a:ea typeface="Calibri" panose="020F0502020204030204" pitchFamily="34" charset="0"/>
-                <a:cs typeface="Times New Roman" panose="02020603050405020304" pitchFamily="18" charset="0"/>
-              </a:rPr>
-              <a:t>Y axis</a:t>
-            </a:r>
-            <a:r>
-              <a:rPr lang="en" dirty="0" smtClean="0">
-                <a:latin typeface="Segoe UI" panose="020B0502040204020203" pitchFamily="34" charset="0"/>
-                <a:ea typeface="Calibri" panose="020F0502020204030204" pitchFamily="34" charset="0"/>
-                <a:cs typeface="Times New Roman" panose="02020603050405020304" pitchFamily="18" charset="0"/>
-              </a:rPr>
-              <a:t> </a:t>
-            </a:r>
-            <a:endParaRPr lang="en-US" sz="1400" dirty="0">
-              <a:effectLst/>
-              <a:latin typeface="Calibri" panose="020F0502020204030204" pitchFamily="34" charset="0"/>
-              <a:ea typeface="Calibri" panose="020F0502020204030204" pitchFamily="34" charset="0"/>
-              <a:cs typeface="Times New Roman" panose="02020603050405020304" pitchFamily="18" charset="0"/>
-            </a:endParaRPr>
-          </a:p>
-        </p:txBody>
-      </p:sp>
-      <p:sp>
-        <p:nvSpPr>
-          <p:cNvPr id="4" name="Rectangle 3"/>
-          <p:cNvSpPr/>
-          <p:nvPr/>
-        </p:nvSpPr>
-        <p:spPr>
-          <a:xfrm>
-            <a:off x="435428" y="1507034"/>
-            <a:ext cx="5199757" cy="373692"/>
-          </a:xfrm>
-          <a:prstGeom prst="rect">
-            <a:avLst/>
-          </a:prstGeom>
-        </p:spPr>
-        <p:txBody>
-          <a:bodyPr wrap="none">
-            <a:spAutoFit/>
-          </a:bodyPr>
-          <a:lstStyle/>
-          <a:p>
-            <a:pPr lvl="0">
-              <a:lnSpc>
-                <a:spcPct val="107000"/>
-              </a:lnSpc>
-              <a:spcAft>
-                <a:spcPts val="800"/>
-              </a:spcAft>
-            </a:pPr>
-            <a:r>
-              <a:rPr lang="en" dirty="0">
-                <a:latin typeface="Segoe UI" panose="020B0502040204020203" pitchFamily="34" charset="0"/>
-                <a:ea typeface="Calibri" panose="020F0502020204030204" pitchFamily="34" charset="0"/>
-                <a:cs typeface="Times New Roman" panose="02020603050405020304" pitchFamily="18" charset="0"/>
-              </a:rPr>
-              <a:t>Note </a:t>
-            </a:r>
-            <a:r>
-              <a:rPr lang="en" dirty="0" err="1">
-                <a:latin typeface="Segoe UI" panose="020B0502040204020203" pitchFamily="34" charset="0"/>
-                <a:ea typeface="Calibri" panose="020F0502020204030204" pitchFamily="34" charset="0"/>
-                <a:cs typeface="Times New Roman" panose="02020603050405020304" pitchFamily="18" charset="0"/>
-              </a:rPr>
-              <a:t>that</a:t>
-            </a:r>
-            <a:r>
-              <a:rPr lang="en" dirty="0">
-                <a:latin typeface="Segoe UI" panose="020B0502040204020203" pitchFamily="34" charset="0"/>
-                <a:ea typeface="Calibri" panose="020F0502020204030204" pitchFamily="34" charset="0"/>
-                <a:cs typeface="Times New Roman" panose="02020603050405020304" pitchFamily="18" charset="0"/>
-              </a:rPr>
-              <a:t> </a:t>
-            </a:r>
-            <a:r>
-              <a:rPr lang="en" dirty="0" err="1">
-                <a:latin typeface="Segoe UI" panose="020B0502040204020203" pitchFamily="34" charset="0"/>
-                <a:ea typeface="Calibri" panose="020F0502020204030204" pitchFamily="34" charset="0"/>
-                <a:cs typeface="Times New Roman" panose="02020603050405020304" pitchFamily="18" charset="0"/>
-              </a:rPr>
-              <a:t>he</a:t>
-            </a:r>
-            <a:r>
-              <a:rPr lang="en" dirty="0">
-                <a:latin typeface="Segoe UI" panose="020B0502040204020203" pitchFamily="34" charset="0"/>
-                <a:ea typeface="Calibri" panose="020F0502020204030204" pitchFamily="34" charset="0"/>
-                <a:cs typeface="Times New Roman" panose="02020603050405020304" pitchFamily="18" charset="0"/>
-              </a:rPr>
-              <a:t> </a:t>
-            </a:r>
-            <a:r>
-              <a:rPr lang="en" dirty="0" err="1">
-                <a:latin typeface="Segoe UI" panose="020B0502040204020203" pitchFamily="34" charset="0"/>
-                <a:ea typeface="Calibri" panose="020F0502020204030204" pitchFamily="34" charset="0"/>
-                <a:cs typeface="Times New Roman" panose="02020603050405020304" pitchFamily="18" charset="0"/>
-              </a:rPr>
-              <a:t>behaves</a:t>
-            </a:r>
-            <a:r>
-              <a:rPr lang="en" dirty="0">
-                <a:latin typeface="Segoe UI" panose="020B0502040204020203" pitchFamily="34" charset="0"/>
-                <a:ea typeface="Calibri" panose="020F0502020204030204" pitchFamily="34" charset="0"/>
-                <a:cs typeface="Times New Roman" panose="02020603050405020304" pitchFamily="18" charset="0"/>
-              </a:rPr>
-              <a:t> </a:t>
-            </a:r>
-            <a:r>
-              <a:rPr lang="en" dirty="0" err="1">
-                <a:latin typeface="Segoe UI" panose="020B0502040204020203" pitchFamily="34" charset="0"/>
-                <a:ea typeface="Calibri" panose="020F0502020204030204" pitchFamily="34" charset="0"/>
-                <a:cs typeface="Times New Roman" panose="02020603050405020304" pitchFamily="18" charset="0"/>
-              </a:rPr>
-              <a:t>Exactly</a:t>
-            </a:r>
-            <a:r>
-              <a:rPr lang="en" dirty="0">
-                <a:latin typeface="Segoe UI" panose="020B0502040204020203" pitchFamily="34" charset="0"/>
-                <a:ea typeface="Calibri" panose="020F0502020204030204" pitchFamily="34" charset="0"/>
-                <a:cs typeface="Times New Roman" panose="02020603050405020304" pitchFamily="18" charset="0"/>
-              </a:rPr>
-              <a:t> </a:t>
-            </a:r>
-            <a:r>
-              <a:rPr lang="en" dirty="0" err="1">
-                <a:latin typeface="Segoe UI" panose="020B0502040204020203" pitchFamily="34" charset="0"/>
-                <a:ea typeface="Calibri" panose="020F0502020204030204" pitchFamily="34" charset="0"/>
-                <a:cs typeface="Times New Roman" panose="02020603050405020304" pitchFamily="18" charset="0"/>
-              </a:rPr>
-              <a:t>like </a:t>
-            </a:r>
-            <a:r>
-              <a:rPr lang="en" dirty="0">
-                <a:latin typeface="Segoe UI" panose="020B0502040204020203" pitchFamily="34" charset="0"/>
-                <a:ea typeface="Calibri" panose="020F0502020204030204" pitchFamily="34" charset="0"/>
-                <a:cs typeface="Times New Roman" panose="02020603050405020304" pitchFamily="18" charset="0"/>
-              </a:rPr>
-              <a:t>a </a:t>
-            </a:r>
-            <a:r>
-              <a:rPr lang="en" b="1" dirty="0" err="1">
-                <a:latin typeface="Segoe UI" panose="020B0502040204020203" pitchFamily="34" charset="0"/>
-                <a:ea typeface="Calibri" panose="020F0502020204030204" pitchFamily="34" charset="0"/>
-                <a:cs typeface="Times New Roman" panose="02020603050405020304" pitchFamily="18" charset="0"/>
-              </a:rPr>
-              <a:t>battery</a:t>
-            </a:r>
-            <a:r>
-              <a:rPr lang="en" b="1" dirty="0">
-                <a:latin typeface="Segoe UI" panose="020B0502040204020203" pitchFamily="34" charset="0"/>
-                <a:ea typeface="Calibri" panose="020F0502020204030204" pitchFamily="34" charset="0"/>
-                <a:cs typeface="Times New Roman" panose="02020603050405020304" pitchFamily="18" charset="0"/>
-              </a:rPr>
-              <a:t> </a:t>
-            </a:r>
-            <a:r>
-              <a:rPr lang="en" b="1" dirty="0" err="1">
-                <a:latin typeface="Segoe UI" panose="020B0502040204020203" pitchFamily="34" charset="0"/>
-                <a:ea typeface="Calibri" panose="020F0502020204030204" pitchFamily="34" charset="0"/>
-                <a:cs typeface="Times New Roman" panose="02020603050405020304" pitchFamily="18" charset="0"/>
-              </a:rPr>
-              <a:t>Column</a:t>
-            </a:r>
-            <a:r>
-              <a:rPr lang="en" dirty="0">
-                <a:latin typeface="Segoe UI" panose="020B0502040204020203" pitchFamily="34" charset="0"/>
-                <a:ea typeface="Calibri" panose="020F0502020204030204" pitchFamily="34" charset="0"/>
-                <a:cs typeface="Times New Roman" panose="02020603050405020304" pitchFamily="18" charset="0"/>
-              </a:rPr>
-              <a:t> </a:t>
-            </a:r>
-            <a:endParaRPr lang="en-US" sz="1400" dirty="0">
-              <a:effectLst/>
-              <a:latin typeface="Calibri" panose="020F0502020204030204" pitchFamily="34" charset="0"/>
-              <a:ea typeface="Calibri" panose="020F0502020204030204" pitchFamily="34" charset="0"/>
-              <a:cs typeface="Times New Roman" panose="02020603050405020304" pitchFamily="18" charset="0"/>
-            </a:endParaRPr>
-          </a:p>
-        </p:txBody>
-      </p:sp>
       <p:pic>
         <p:nvPicPr>
-          <p:cNvPr id="5" name="Picture 4"/>
+          <p:cNvPr id="15" name="Picture 14"/>
           <p:cNvPicPr>
             <a:picLocks noChangeAspect="1"/>
           </p:cNvPicPr>
@@ -3975,41 +3913,212 @@
         </p:blipFill>
         <p:spPr>
           <a:xfrm>
-            <a:off x="614076" y="2163514"/>
-            <a:ext cx="4105848" cy="2362530"/>
+            <a:off x="7912589" y="2712552"/>
+            <a:ext cx="3495215" cy="2918227"/>
           </a:xfrm>
           <a:prstGeom prst="rect">
             <a:avLst/>
           </a:prstGeom>
-          <a:ln>
-            <a:noFill/>
-          </a:ln>
-          <a:effectLst>
-            <a:outerShdw blurRad="292100" dist="139700" dir="2700000" algn="tl" rotWithShape="0">
-              <a:srgbClr val="333333">
-                <a:alpha val="65000"/>
-              </a:srgbClr>
-            </a:outerShdw>
-          </a:effectLst>
         </p:spPr>
       </p:pic>
       <p:sp>
         <p:nvSpPr>
-          <p:cNvPr id="6" name="Rectangle 5"/>
+          <p:cNvPr id="2" name="TextBox 1"/>
+          <p:cNvSpPr txBox="1"/>
+          <p:nvPr/>
+        </p:nvSpPr>
+        <p:spPr>
+          <a:xfrm>
+            <a:off x="323133" y="192505"/>
+            <a:ext cx="1744388" cy="461665"/>
+          </a:xfrm>
+          <a:prstGeom prst="rect">
+            <a:avLst/>
+          </a:prstGeom>
+          <a:noFill/>
+        </p:spPr>
+        <p:txBody>
+          <a:bodyPr wrap="none" rtlCol="0">
+            <a:spAutoFit/>
+          </a:bodyPr>
+          <a:lstStyle/>
+          <a:p>
+            <a:r>
+              <a:rPr lang="en" sz="2400" dirty="0" smtClean="0">
+                <a:latin typeface="Segoe UI" panose="020B0502040204020203" pitchFamily="34" charset="0"/>
+                <a:cs typeface="Segoe UI" panose="020B0502040204020203" pitchFamily="34" charset="0"/>
+              </a:rPr>
+              <a:t>The ribbon</a:t>
+            </a:r>
+            <a:endParaRPr lang="en-US" sz="2400" dirty="0">
+              <a:latin typeface="Segoe UI" panose="020B0502040204020203" pitchFamily="34" charset="0"/>
+              <a:cs typeface="Segoe UI" panose="020B0502040204020203" pitchFamily="34" charset="0"/>
+            </a:endParaRPr>
+          </a:p>
+        </p:txBody>
+      </p:sp>
+      <p:sp>
+        <p:nvSpPr>
+          <p:cNvPr id="3" name="Rectangle 2"/>
           <p:cNvSpPr/>
           <p:nvPr/>
         </p:nvSpPr>
         <p:spPr>
           <a:xfrm>
-            <a:off x="614076" y="3043989"/>
-            <a:ext cx="1720050" cy="300790"/>
+            <a:off x="435428" y="979677"/>
+            <a:ext cx="10778003" cy="373692"/>
+          </a:xfrm>
+          <a:prstGeom prst="rect">
+            <a:avLst/>
+          </a:prstGeom>
+        </p:spPr>
+        <p:txBody>
+          <a:bodyPr wrap="square">
+            <a:spAutoFit/>
+          </a:bodyPr>
+          <a:lstStyle/>
+          <a:p>
+            <a:pPr lvl="0">
+              <a:lnSpc>
+                <a:spcPct val="107000"/>
+              </a:lnSpc>
+              <a:spcAft>
+                <a:spcPts val="0"/>
+              </a:spcAft>
+            </a:pPr>
+            <a:r>
+              <a:rPr lang="en" dirty="0" smtClean="0">
+                <a:latin typeface="Segoe UI" panose="020B0502040204020203" pitchFamily="34" charset="0"/>
+                <a:ea typeface="Calibri" panose="020F0502020204030204" pitchFamily="34" charset="0"/>
+                <a:cs typeface="Times New Roman" panose="02020603050405020304" pitchFamily="18" charset="0"/>
+              </a:rPr>
+              <a:t>Note: This workshop is using </a:t>
+            </a:r>
+            <a:r>
+              <a:rPr lang="en" b="1" dirty="0" smtClean="0">
+                <a:latin typeface="Segoe UI" panose="020B0502040204020203" pitchFamily="34" charset="0"/>
+                <a:ea typeface="Calibri" panose="020F0502020204030204" pitchFamily="34" charset="0"/>
+                <a:cs typeface="Times New Roman" panose="02020603050405020304" pitchFamily="18" charset="0"/>
+              </a:rPr>
+              <a:t>Sales.xls</a:t>
+            </a:r>
+            <a:r>
+              <a:rPr lang="en" dirty="0" smtClean="0">
+                <a:latin typeface="Segoe UI" panose="020B0502040204020203" pitchFamily="34" charset="0"/>
+                <a:ea typeface="Calibri" panose="020F0502020204030204" pitchFamily="34" charset="0"/>
+                <a:cs typeface="Times New Roman" panose="02020603050405020304" pitchFamily="18" charset="0"/>
+              </a:rPr>
+              <a:t> of </a:t>
+            </a:r>
+            <a:r>
+              <a:rPr lang="en" b="1" dirty="0" smtClean="0">
+                <a:latin typeface="Segoe UI" panose="020B0502040204020203" pitchFamily="34" charset="0"/>
+                <a:ea typeface="Calibri" panose="020F0502020204030204" pitchFamily="34" charset="0"/>
+                <a:cs typeface="Times New Roman" panose="02020603050405020304" pitchFamily="18" charset="0"/>
+              </a:rPr>
+              <a:t>Excel Folder</a:t>
+            </a:r>
+            <a:endParaRPr lang="en-US" sz="1400" b="1" dirty="0">
+              <a:effectLst/>
+              <a:latin typeface="Calibri" panose="020F0502020204030204" pitchFamily="34" charset="0"/>
+              <a:ea typeface="Calibri" panose="020F0502020204030204" pitchFamily="34" charset="0"/>
+              <a:cs typeface="Times New Roman" panose="02020603050405020304" pitchFamily="18" charset="0"/>
+            </a:endParaRPr>
+          </a:p>
+        </p:txBody>
+      </p:sp>
+      <p:sp>
+        <p:nvSpPr>
+          <p:cNvPr id="8" name="Rectangle 7"/>
+          <p:cNvSpPr/>
+          <p:nvPr/>
+        </p:nvSpPr>
+        <p:spPr>
+          <a:xfrm>
+            <a:off x="435428" y="1415534"/>
+            <a:ext cx="11256351" cy="707886"/>
+          </a:xfrm>
+          <a:prstGeom prst="rect">
+            <a:avLst/>
+          </a:prstGeom>
+        </p:spPr>
+        <p:txBody>
+          <a:bodyPr wrap="none">
+            <a:spAutoFit/>
+          </a:bodyPr>
+          <a:lstStyle/>
+          <a:p>
+            <a:r>
+              <a:rPr lang="en-US" sz="2000" dirty="0"/>
+              <a:t>Choose the </a:t>
+            </a:r>
+            <a:r>
+              <a:rPr lang="en-US" sz="2000" b="1" dirty="0"/>
+              <a:t>Ribbon chart</a:t>
+            </a:r>
+            <a:r>
+              <a:rPr lang="en-US" sz="2000" dirty="0"/>
+              <a:t> visual from the </a:t>
+            </a:r>
+            <a:r>
+              <a:rPr lang="en-US" sz="2000" b="1" dirty="0"/>
+              <a:t>Visualizations</a:t>
+            </a:r>
+            <a:r>
+              <a:rPr lang="en-US" sz="2000" dirty="0"/>
+              <a:t> </a:t>
+            </a:r>
+            <a:r>
+              <a:rPr lang="en-US" sz="2000" dirty="0" smtClean="0"/>
+              <a:t>pane, then add Year to </a:t>
+            </a:r>
+            <a:r>
+              <a:rPr lang="en-US" sz="2000" b="1" dirty="0" smtClean="0"/>
+              <a:t>X-Axis</a:t>
+            </a:r>
+            <a:r>
+              <a:rPr lang="en-US" sz="2000" dirty="0" smtClean="0"/>
+              <a:t> and </a:t>
+            </a:r>
+            <a:r>
+              <a:rPr lang="en-US" sz="2000" b="1" dirty="0" err="1" smtClean="0"/>
+              <a:t>SalesQuantity</a:t>
+            </a:r>
+            <a:r>
+              <a:rPr lang="en-US" sz="2000" dirty="0" smtClean="0"/>
+              <a:t> to</a:t>
+            </a:r>
+          </a:p>
+          <a:p>
+            <a:r>
+              <a:rPr lang="fr-FR" sz="2000" dirty="0"/>
+              <a:t> </a:t>
+            </a:r>
+            <a:r>
+              <a:rPr lang="fr-FR" sz="2000" b="1" dirty="0" smtClean="0"/>
+              <a:t>Y-Axis</a:t>
+            </a:r>
+            <a:endParaRPr lang="en-US" sz="2000" b="1" dirty="0"/>
+          </a:p>
+        </p:txBody>
+      </p:sp>
+      <p:sp>
+        <p:nvSpPr>
+          <p:cNvPr id="11" name="Rectangle 10"/>
+          <p:cNvSpPr/>
+          <p:nvPr/>
+        </p:nvSpPr>
+        <p:spPr>
+          <a:xfrm>
+            <a:off x="7999340" y="3066506"/>
+            <a:ext cx="3275968" cy="343587"/>
           </a:xfrm>
           <a:prstGeom prst="rect">
             <a:avLst/>
           </a:prstGeom>
           <a:solidFill>
             <a:srgbClr val="FF0000">
-              <a:alpha val="28000"/>
+              <a:alpha val="31000"/>
             </a:srgbClr>
           </a:solidFill>
           <a:ln>
@@ -4041,38 +4150,75 @@
           </a:p>
         </p:txBody>
       </p:sp>
+      <p:sp>
+        <p:nvSpPr>
+          <p:cNvPr id="12" name="Rectangle 11"/>
+          <p:cNvSpPr/>
+          <p:nvPr/>
+        </p:nvSpPr>
+        <p:spPr>
+          <a:xfrm>
+            <a:off x="7999340" y="3852663"/>
+            <a:ext cx="3275968" cy="341202"/>
+          </a:xfrm>
+          <a:prstGeom prst="rect">
+            <a:avLst/>
+          </a:prstGeom>
+          <a:solidFill>
+            <a:srgbClr val="FF0000">
+              <a:alpha val="31000"/>
+            </a:srgbClr>
+          </a:solidFill>
+          <a:ln>
+            <a:noFill/>
+          </a:ln>
+        </p:spPr>
+        <p:style>
+          <a:lnRef idx="2">
+            <a:schemeClr val="accent1">
+              <a:shade val="50000"/>
+            </a:schemeClr>
+          </a:lnRef>
+          <a:fillRef idx="1">
+            <a:schemeClr val="accent1"/>
+          </a:fillRef>
+          <a:effectRef idx="0">
+            <a:schemeClr val="accent1"/>
+          </a:effectRef>
+          <a:fontRef idx="minor">
+            <a:schemeClr val="lt1"/>
+          </a:fontRef>
+        </p:style>
+        <p:txBody>
+          <a:bodyPr rtlCol="0" anchor="ctr"/>
+          <a:lstStyle/>
+          <a:p>
+            <a:pPr algn="ctr"/>
+            <a:endParaRPr lang="en-US"/>
+          </a:p>
+        </p:txBody>
+      </p:sp>
       <p:pic>
         <p:nvPicPr>
-          <p:cNvPr id="7" name="Picture 6"/>
+          <p:cNvPr id="14" name="Picture 13"/>
           <p:cNvPicPr>
             <a:picLocks noChangeAspect="1"/>
           </p:cNvPicPr>
           <p:nvPr/>
         </p:nvPicPr>
-        <p:blipFill>
+        <p:blipFill rotWithShape="1">
           <a:blip r:embed="rId3"/>
-          <a:stretch>
-            <a:fillRect/>
-          </a:stretch>
+          <a:srcRect r="35073"/>
+          <a:stretch/>
         </p:blipFill>
         <p:spPr>
           <a:xfrm>
-            <a:off x="5824429" y="2163514"/>
-            <a:ext cx="3915321" cy="3858163"/>
+            <a:off x="426938" y="2503452"/>
+            <a:ext cx="7388536" cy="3719958"/>
           </a:xfrm>
           <a:prstGeom prst="rect">
             <a:avLst/>
           </a:prstGeom>
-          <a:ln>
-            <a:noFill/>
-          </a:ln>
-          <a:effectLst>
-            <a:outerShdw blurRad="292100" dist="139700" dir="2700000" algn="tl" rotWithShape="0">
-              <a:srgbClr val="333333">
-                <a:alpha val="65000"/>
-              </a:srgbClr>
-            </a:outerShdw>
-          </a:effectLst>
         </p:spPr>
       </p:pic>
     </p:spTree>
@@ -4143,160 +4289,269 @@
       </p:sp>
       <p:sp>
         <p:nvSpPr>
-          <p:cNvPr id="7" name="Rectangle 6"/>
+          <p:cNvPr id="8" name="Rectangle 7"/>
           <p:cNvSpPr/>
           <p:nvPr/>
         </p:nvSpPr>
         <p:spPr>
           <a:xfrm>
-            <a:off x="400765" y="879535"/>
-            <a:ext cx="10704381" cy="388696"/>
+            <a:off x="380426" y="815358"/>
+            <a:ext cx="8527334" cy="400110"/>
           </a:xfrm>
           <a:prstGeom prst="rect">
             <a:avLst/>
           </a:prstGeom>
         </p:spPr>
         <p:txBody>
-          <a:bodyPr wrap="square">
+          <a:bodyPr wrap="none">
             <a:spAutoFit/>
           </a:bodyPr>
           <a:lstStyle/>
           <a:p>
-            <a:pPr lvl="0">
-              <a:lnSpc>
-                <a:spcPct val="107000"/>
-              </a:lnSpc>
-              <a:spcAft>
-                <a:spcPts val="800"/>
-              </a:spcAft>
-            </a:pPr>
-            <a:r>
-              <a:rPr lang="en" dirty="0" smtClean="0">
-                <a:latin typeface="Segoe UI" panose="020B0502040204020203" pitchFamily="34" charset="0"/>
-                <a:ea typeface="Calibri" panose="020F0502020204030204" pitchFamily="34" charset="0"/>
-                <a:cs typeface="Times New Roman" panose="02020603050405020304" pitchFamily="18" charset="0"/>
-              </a:rPr>
-              <a:t>Add </a:t>
-            </a:r>
-            <a:r>
-              <a:rPr lang="en" dirty="0">
-                <a:latin typeface="Segoe UI" panose="020B0502040204020203" pitchFamily="34" charset="0"/>
-                <a:ea typeface="Calibri" panose="020F0502020204030204" pitchFamily="34" charset="0"/>
-                <a:cs typeface="Times New Roman" panose="02020603050405020304" pitchFamily="18" charset="0"/>
-              </a:rPr>
-              <a:t>the </a:t>
-            </a:r>
-            <a:r>
-              <a:rPr lang="en" b="1" dirty="0" smtClean="0">
-                <a:latin typeface="Segoe UI" panose="020B0502040204020203" pitchFamily="34" charset="0"/>
-                <a:ea typeface="Calibri" panose="020F0502020204030204" pitchFamily="34" charset="0"/>
-                <a:cs typeface="Times New Roman" panose="02020603050405020304" pitchFamily="18" charset="0"/>
-              </a:rPr>
-              <a:t>Year field </a:t>
-            </a:r>
-            <a:r>
-              <a:rPr lang="en" dirty="0" smtClean="0">
-                <a:latin typeface="Segoe UI" panose="020B0502040204020203" pitchFamily="34" charset="0"/>
-                <a:ea typeface="Calibri" panose="020F0502020204030204" pitchFamily="34" charset="0"/>
-                <a:cs typeface="Times New Roman" panose="02020603050405020304" pitchFamily="18" charset="0"/>
-              </a:rPr>
+            <a:r>
+              <a:rPr lang="fr-FR" sz="2000" dirty="0" err="1" smtClean="0"/>
+              <a:t>Then</a:t>
+            </a:r>
+            <a:r>
+              <a:rPr lang="fr-FR" sz="2000" dirty="0" smtClean="0"/>
+              <a:t> </a:t>
+            </a:r>
+            <a:r>
+              <a:rPr lang="fr-FR" sz="2000" dirty="0" err="1" smtClean="0"/>
+              <a:t>add</a:t>
+            </a:r>
+            <a:r>
+              <a:rPr lang="fr-FR" sz="2000" dirty="0" smtClean="0"/>
+              <a:t> the </a:t>
+            </a:r>
+            <a:r>
+              <a:rPr lang="fr-FR" sz="2000" b="1" dirty="0" smtClean="0"/>
+              <a:t>Channel Name </a:t>
+            </a:r>
+            <a:r>
+              <a:rPr lang="fr-FR" sz="2000" dirty="0" smtClean="0"/>
               <a:t>to the </a:t>
             </a:r>
             <a:r>
-              <a:rPr lang="en" b="1" dirty="0" err="1" smtClean="0">
-                <a:latin typeface="Segoe UI" panose="020B0502040204020203" pitchFamily="34" charset="0"/>
-                <a:ea typeface="Calibri" panose="020F0502020204030204" pitchFamily="34" charset="0"/>
-                <a:cs typeface="Times New Roman" panose="02020603050405020304" pitchFamily="18" charset="0"/>
-              </a:rPr>
-              <a:t>DimDate</a:t>
-            </a:r>
-            <a:r>
-              <a:rPr lang="en" b="1" dirty="0" smtClean="0">
-                <a:latin typeface="Segoe UI" panose="020B0502040204020203" pitchFamily="34" charset="0"/>
-                <a:ea typeface="Calibri" panose="020F0502020204030204" pitchFamily="34" charset="0"/>
-                <a:cs typeface="Times New Roman" panose="02020603050405020304" pitchFamily="18" charset="0"/>
-              </a:rPr>
+              <a:rPr lang="fr-FR" sz="2000" b="1" dirty="0" err="1" smtClean="0"/>
+              <a:t>Legend</a:t>
+            </a:r>
+            <a:r>
+              <a:rPr lang="fr-FR" sz="2000" b="1" dirty="0" smtClean="0"/>
               <a:t> </a:t>
             </a:r>
             <a:r>
-              <a:rPr lang="en" b="1" dirty="0">
-                <a:latin typeface="Segoe UI" panose="020B0502040204020203" pitchFamily="34" charset="0"/>
-                <a:ea typeface="Calibri" panose="020F0502020204030204" pitchFamily="34" charset="0"/>
-                <a:cs typeface="Times New Roman" panose="02020603050405020304" pitchFamily="18" charset="0"/>
-              </a:rPr>
-              <a:t>chart </a:t>
-            </a:r>
-            <a:r>
-              <a:rPr lang="en" dirty="0" smtClean="0">
-                <a:latin typeface="Segoe UI" panose="020B0502040204020203" pitchFamily="34" charset="0"/>
-                <a:ea typeface="Calibri" panose="020F0502020204030204" pitchFamily="34" charset="0"/>
-                <a:cs typeface="Times New Roman" panose="02020603050405020304" pitchFamily="18" charset="0"/>
-              </a:rPr>
-              <a:t>on the </a:t>
-            </a:r>
-            <a:r>
-              <a:rPr lang="en" b="1" dirty="0" smtClean="0">
-                <a:latin typeface="Segoe UI" panose="020B0502040204020203" pitchFamily="34" charset="0"/>
-                <a:ea typeface="Calibri" panose="020F0502020204030204" pitchFamily="34" charset="0"/>
-                <a:cs typeface="Times New Roman" panose="02020603050405020304" pitchFamily="18" charset="0"/>
-              </a:rPr>
-              <a:t>X axis </a:t>
-            </a:r>
-            <a:r>
-              <a:rPr lang="en" dirty="0" smtClean="0">
-                <a:latin typeface="Segoe UI" panose="020B0502040204020203" pitchFamily="34" charset="0"/>
-                <a:ea typeface="Calibri" panose="020F0502020204030204" pitchFamily="34" charset="0"/>
-                <a:cs typeface="Times New Roman" panose="02020603050405020304" pitchFamily="18" charset="0"/>
-              </a:rPr>
-              <a:t>and notice the visual behavior</a:t>
-            </a:r>
-            <a:endParaRPr lang="en-US" sz="1400" dirty="0">
-              <a:effectLst/>
-              <a:latin typeface="Calibri" panose="020F0502020204030204" pitchFamily="34" charset="0"/>
-              <a:ea typeface="Calibri" panose="020F0502020204030204" pitchFamily="34" charset="0"/>
-              <a:cs typeface="Times New Roman" panose="02020603050405020304" pitchFamily="18" charset="0"/>
-            </a:endParaRPr>
+              <a:rPr lang="fr-FR" sz="2000" dirty="0" smtClean="0"/>
+              <a:t>and observe the </a:t>
+            </a:r>
+            <a:r>
+              <a:rPr lang="fr-FR" sz="2000" dirty="0" err="1" smtClean="0"/>
+              <a:t>appearence</a:t>
+            </a:r>
+            <a:r>
+              <a:rPr lang="fr-FR" sz="2000" dirty="0" smtClean="0"/>
+              <a:t> change </a:t>
+            </a:r>
+            <a:endParaRPr lang="en-US" sz="2000" b="1" dirty="0"/>
           </a:p>
         </p:txBody>
       </p:sp>
       <p:pic>
         <p:nvPicPr>
-          <p:cNvPr id="3" name="Picture 2"/>
+          <p:cNvPr id="9" name="Picture 8"/>
           <p:cNvPicPr>
             <a:picLocks noChangeAspect="1"/>
           </p:cNvPicPr>
           <p:nvPr/>
         </p:nvPicPr>
         <p:blipFill>
-          <a:blip r:embed="rId2"/>
+          <a:blip r:embed="rId3"/>
           <a:stretch>
             <a:fillRect/>
           </a:stretch>
         </p:blipFill>
         <p:spPr>
           <a:xfrm>
-            <a:off x="742928" y="1493596"/>
-            <a:ext cx="4263098" cy="4221404"/>
+            <a:off x="513065" y="1551234"/>
+            <a:ext cx="6876397" cy="3213270"/>
           </a:xfrm>
           <a:prstGeom prst="rect">
             <a:avLst/>
           </a:prstGeom>
+        </p:spPr>
+      </p:pic>
+      <p:pic>
+        <p:nvPicPr>
+          <p:cNvPr id="10" name="Picture 9"/>
+          <p:cNvPicPr>
+            <a:picLocks noChangeAspect="1"/>
+          </p:cNvPicPr>
+          <p:nvPr/>
+        </p:nvPicPr>
+        <p:blipFill>
+          <a:blip r:embed="rId4"/>
+          <a:stretch>
+            <a:fillRect/>
+          </a:stretch>
+        </p:blipFill>
+        <p:spPr>
+          <a:xfrm>
+            <a:off x="7843839" y="1551234"/>
+            <a:ext cx="3295588" cy="2958888"/>
+          </a:xfrm>
+          <a:prstGeom prst="rect">
+            <a:avLst/>
+          </a:prstGeom>
+        </p:spPr>
+      </p:pic>
+      <p:sp>
+        <p:nvSpPr>
+          <p:cNvPr id="11" name="Rectangle 10"/>
+          <p:cNvSpPr/>
+          <p:nvPr/>
+        </p:nvSpPr>
+        <p:spPr>
+          <a:xfrm>
+            <a:off x="7843839" y="1931927"/>
+            <a:ext cx="3122087" cy="295633"/>
+          </a:xfrm>
+          <a:prstGeom prst="rect">
+            <a:avLst/>
+          </a:prstGeom>
+          <a:solidFill>
+            <a:srgbClr val="FF0000">
+              <a:alpha val="31000"/>
+            </a:srgbClr>
+          </a:solidFill>
           <a:ln>
             <a:noFill/>
           </a:ln>
-          <a:effectLst>
-            <a:outerShdw blurRad="292100" dist="139700" dir="2700000" algn="tl" rotWithShape="0">
-              <a:srgbClr val="333333">
-                <a:alpha val="65000"/>
-              </a:srgbClr>
-            </a:outerShdw>
-          </a:effectLst>
-        </p:spPr>
-      </p:pic>
+        </p:spPr>
+        <p:style>
+          <a:lnRef idx="2">
+            <a:schemeClr val="accent1">
+              <a:shade val="50000"/>
+            </a:schemeClr>
+          </a:lnRef>
+          <a:fillRef idx="1">
+            <a:schemeClr val="accent1"/>
+          </a:fillRef>
+          <a:effectRef idx="0">
+            <a:schemeClr val="accent1"/>
+          </a:effectRef>
+          <a:fontRef idx="minor">
+            <a:schemeClr val="lt1"/>
+          </a:fontRef>
+        </p:style>
+        <p:txBody>
+          <a:bodyPr rtlCol="0" anchor="ctr"/>
+          <a:lstStyle/>
+          <a:p>
+            <a:pPr algn="ctr"/>
+            <a:endParaRPr lang="en-US"/>
+          </a:p>
+        </p:txBody>
+      </p:sp>
+      <p:sp>
+        <p:nvSpPr>
+          <p:cNvPr id="12" name="Rectangle 11"/>
+          <p:cNvSpPr/>
+          <p:nvPr/>
+        </p:nvSpPr>
+        <p:spPr>
+          <a:xfrm>
+            <a:off x="7930589" y="2649504"/>
+            <a:ext cx="3122087" cy="295633"/>
+          </a:xfrm>
+          <a:prstGeom prst="rect">
+            <a:avLst/>
+          </a:prstGeom>
+          <a:solidFill>
+            <a:srgbClr val="FF0000">
+              <a:alpha val="31000"/>
+            </a:srgbClr>
+          </a:solidFill>
+          <a:ln>
+            <a:noFill/>
+          </a:ln>
+        </p:spPr>
+        <p:style>
+          <a:lnRef idx="2">
+            <a:schemeClr val="accent1">
+              <a:shade val="50000"/>
+            </a:schemeClr>
+          </a:lnRef>
+          <a:fillRef idx="1">
+            <a:schemeClr val="accent1"/>
+          </a:fillRef>
+          <a:effectRef idx="0">
+            <a:schemeClr val="accent1"/>
+          </a:effectRef>
+          <a:fontRef idx="minor">
+            <a:schemeClr val="lt1"/>
+          </a:fontRef>
+        </p:style>
+        <p:txBody>
+          <a:bodyPr rtlCol="0" anchor="ctr"/>
+          <a:lstStyle/>
+          <a:p>
+            <a:pPr algn="ctr"/>
+            <a:endParaRPr lang="en-US"/>
+          </a:p>
+        </p:txBody>
+      </p:sp>
+      <p:sp>
+        <p:nvSpPr>
+          <p:cNvPr id="13" name="Rectangle 12"/>
+          <p:cNvSpPr/>
+          <p:nvPr/>
+        </p:nvSpPr>
+        <p:spPr>
+          <a:xfrm>
+            <a:off x="7843839" y="3284180"/>
+            <a:ext cx="3122087" cy="295633"/>
+          </a:xfrm>
+          <a:prstGeom prst="rect">
+            <a:avLst/>
+          </a:prstGeom>
+          <a:solidFill>
+            <a:srgbClr val="FF0000">
+              <a:alpha val="31000"/>
+            </a:srgbClr>
+          </a:solidFill>
+          <a:ln>
+            <a:noFill/>
+          </a:ln>
+        </p:spPr>
+        <p:style>
+          <a:lnRef idx="2">
+            <a:schemeClr val="accent1">
+              <a:shade val="50000"/>
+            </a:schemeClr>
+          </a:lnRef>
+          <a:fillRef idx="1">
+            <a:schemeClr val="accent1"/>
+          </a:fillRef>
+          <a:effectRef idx="0">
+            <a:schemeClr val="accent1"/>
+          </a:effectRef>
+          <a:fontRef idx="minor">
+            <a:schemeClr val="lt1"/>
+          </a:fontRef>
+        </p:style>
+        <p:txBody>
+          <a:bodyPr rtlCol="0" anchor="ctr"/>
+          <a:lstStyle/>
+          <a:p>
+            <a:pPr algn="ctr"/>
+            <a:endParaRPr lang="en-US"/>
+          </a:p>
+        </p:txBody>
+      </p:sp>
     </p:spTree>
     <p:extLst>
       <p:ext uri="{BB962C8B-B14F-4D97-AF65-F5344CB8AC3E}">
-        <p14:creationId xmlns:p14="http://schemas.microsoft.com/office/powerpoint/2010/main" val="741647583"/>
+        <p14:creationId xmlns:p14="http://schemas.microsoft.com/office/powerpoint/2010/main" val="2340831292"/>
       </p:ext>
     </p:extLst>
   </p:cSld>
@@ -4361,122 +4616,76 @@
       </p:sp>
       <p:sp>
         <p:nvSpPr>
-          <p:cNvPr id="3" name="Rectangle 2"/>
+          <p:cNvPr id="8" name="Rectangle 7"/>
           <p:cNvSpPr/>
           <p:nvPr/>
         </p:nvSpPr>
         <p:spPr>
           <a:xfrm>
-            <a:off x="401052" y="800105"/>
-            <a:ext cx="11317705" cy="685059"/>
+            <a:off x="380426" y="815358"/>
+            <a:ext cx="7187289" cy="400110"/>
           </a:xfrm>
           <a:prstGeom prst="rect">
             <a:avLst/>
           </a:prstGeom>
         </p:spPr>
         <p:txBody>
-          <a:bodyPr wrap="square">
+          <a:bodyPr wrap="none">
             <a:spAutoFit/>
           </a:bodyPr>
           <a:lstStyle/>
           <a:p>
-            <a:pPr lvl="0">
-              <a:lnSpc>
-                <a:spcPct val="107000"/>
-              </a:lnSpc>
-              <a:spcAft>
-                <a:spcPts val="800"/>
-              </a:spcAft>
-            </a:pPr>
-            <a:r>
-              <a:rPr lang="en" dirty="0">
-                <a:latin typeface="Segoe UI" panose="020B0502040204020203" pitchFamily="34" charset="0"/>
-                <a:ea typeface="Calibri" panose="020F0502020204030204" pitchFamily="34" charset="0"/>
-                <a:cs typeface="Times New Roman" panose="02020603050405020304" pitchFamily="18" charset="0"/>
-              </a:rPr>
-              <a:t>Now let's try to parse the data based on </a:t>
-            </a:r>
-            <a:r>
-              <a:rPr lang="en" dirty="0" smtClean="0">
-                <a:latin typeface="Segoe UI" panose="020B0502040204020203" pitchFamily="34" charset="0"/>
-                <a:ea typeface="Calibri" panose="020F0502020204030204" pitchFamily="34" charset="0"/>
-                <a:cs typeface="Times New Roman" panose="02020603050405020304" pitchFamily="18" charset="0"/>
-              </a:rPr>
-              <a:t>the </a:t>
-            </a:r>
-            <a:r>
-              <a:rPr lang="en" b="1" dirty="0" err="1" smtClean="0">
-                <a:latin typeface="Segoe UI" panose="020B0502040204020203" pitchFamily="34" charset="0"/>
-                <a:ea typeface="Calibri" panose="020F0502020204030204" pitchFamily="34" charset="0"/>
-                <a:cs typeface="Times New Roman" panose="02020603050405020304" pitchFamily="18" charset="0"/>
-              </a:rPr>
-              <a:t>ProductLine </a:t>
-            </a:r>
-            <a:r>
-              <a:rPr lang="en" dirty="0" smtClean="0">
-                <a:latin typeface="Segoe UI" panose="020B0502040204020203" pitchFamily="34" charset="0"/>
-                <a:ea typeface="Calibri" panose="020F0502020204030204" pitchFamily="34" charset="0"/>
-                <a:cs typeface="Times New Roman" panose="02020603050405020304" pitchFamily="18" charset="0"/>
-              </a:rPr>
-              <a:t>of </a:t>
-            </a:r>
-            <a:r>
-              <a:rPr lang="en" b="1" dirty="0" err="1">
-                <a:latin typeface="Segoe UI" panose="020B0502040204020203" pitchFamily="34" charset="0"/>
-                <a:ea typeface="Calibri" panose="020F0502020204030204" pitchFamily="34" charset="0"/>
-                <a:cs typeface="Times New Roman" panose="02020603050405020304" pitchFamily="18" charset="0"/>
-              </a:rPr>
-              <a:t>DimProduct </a:t>
-            </a:r>
-            <a:r>
-              <a:rPr lang="en" b="1" dirty="0">
-                <a:latin typeface="Segoe UI" panose="020B0502040204020203" pitchFamily="34" charset="0"/>
-                <a:ea typeface="Calibri" panose="020F0502020204030204" pitchFamily="34" charset="0"/>
-                <a:cs typeface="Times New Roman" panose="02020603050405020304" pitchFamily="18" charset="0"/>
-              </a:rPr>
-              <a:t>by adding </a:t>
-            </a:r>
-            <a:r>
-              <a:rPr lang="en" dirty="0" smtClean="0">
-                <a:latin typeface="Segoe UI" panose="020B0502040204020203" pitchFamily="34" charset="0"/>
-                <a:ea typeface="Calibri" panose="020F0502020204030204" pitchFamily="34" charset="0"/>
-                <a:cs typeface="Times New Roman" panose="02020603050405020304" pitchFamily="18" charset="0"/>
-              </a:rPr>
-              <a:t>it </a:t>
-            </a:r>
-            <a:r>
-              <a:rPr lang="en" dirty="0">
-                <a:latin typeface="Segoe UI" panose="020B0502040204020203" pitchFamily="34" charset="0"/>
-                <a:ea typeface="Calibri" panose="020F0502020204030204" pitchFamily="34" charset="0"/>
-                <a:cs typeface="Times New Roman" panose="02020603050405020304" pitchFamily="18" charset="0"/>
-              </a:rPr>
-              <a:t>to the </a:t>
-            </a:r>
-            <a:r>
-              <a:rPr lang="en" b="1" dirty="0">
-                <a:latin typeface="Segoe UI" panose="020B0502040204020203" pitchFamily="34" charset="0"/>
-                <a:ea typeface="Calibri" panose="020F0502020204030204" pitchFamily="34" charset="0"/>
-                <a:cs typeface="Times New Roman" panose="02020603050405020304" pitchFamily="18" charset="0"/>
-              </a:rPr>
-              <a:t>Caption parameter</a:t>
-            </a:r>
-            <a:r>
-              <a:rPr lang="en" dirty="0">
-                <a:latin typeface="Segoe UI" panose="020B0502040204020203" pitchFamily="34" charset="0"/>
-                <a:ea typeface="Calibri" panose="020F0502020204030204" pitchFamily="34" charset="0"/>
-                <a:cs typeface="Times New Roman" panose="02020603050405020304" pitchFamily="18" charset="0"/>
-              </a:rPr>
-              <a:t> </a:t>
-            </a:r>
-            <a:endParaRPr lang="en-US" sz="1400" dirty="0">
-              <a:effectLst/>
-              <a:latin typeface="Calibri" panose="020F0502020204030204" pitchFamily="34" charset="0"/>
-              <a:ea typeface="Calibri" panose="020F0502020204030204" pitchFamily="34" charset="0"/>
-              <a:cs typeface="Times New Roman" panose="02020603050405020304" pitchFamily="18" charset="0"/>
-            </a:endParaRPr>
-          </a:p>
-        </p:txBody>
-      </p:sp>
+            <a:r>
+              <a:rPr lang="fr-FR" sz="2000" dirty="0" err="1" smtClean="0"/>
+              <a:t>Hold</a:t>
+            </a:r>
+            <a:r>
+              <a:rPr lang="fr-FR" sz="2000" dirty="0" smtClean="0"/>
+              <a:t> the mouse over the orange </a:t>
+            </a:r>
+            <a:r>
+              <a:rPr lang="fr-FR" sz="2000" dirty="0" err="1" smtClean="0"/>
+              <a:t>bound</a:t>
+            </a:r>
+            <a:r>
+              <a:rPr lang="fr-FR" sz="2000" dirty="0" smtClean="0"/>
+              <a:t> and </a:t>
+            </a:r>
+            <a:r>
+              <a:rPr lang="fr-FR" sz="2000" dirty="0" err="1" smtClean="0"/>
+              <a:t>try</a:t>
+            </a:r>
+            <a:r>
+              <a:rPr lang="fr-FR" sz="2000" dirty="0" smtClean="0"/>
+              <a:t> to analyse the data </a:t>
+            </a:r>
+            <a:endParaRPr lang="en-US" sz="2000" b="1" dirty="0"/>
+          </a:p>
+        </p:txBody>
+      </p:sp>
+      <p:pic>
+        <p:nvPicPr>
+          <p:cNvPr id="3" name="Picture 2"/>
+          <p:cNvPicPr>
+            <a:picLocks noChangeAspect="1"/>
+          </p:cNvPicPr>
+          <p:nvPr/>
+        </p:nvPicPr>
+        <p:blipFill rotWithShape="1">
+          <a:blip r:embed="rId3"/>
+          <a:srcRect l="1637" t="3397"/>
+          <a:stretch/>
+        </p:blipFill>
+        <p:spPr>
+          <a:xfrm>
+            <a:off x="556890" y="1299411"/>
+            <a:ext cx="8133495" cy="3773103"/>
+          </a:xfrm>
+          <a:prstGeom prst="rect">
+            <a:avLst/>
+          </a:prstGeom>
+        </p:spPr>
+      </p:pic>
       <p:pic>
         <p:nvPicPr>
           <p:cNvPr id="4" name="Picture 3"/>
@@ -4486,35 +4695,25 @@
           <p:nvPr/>
         </p:nvPicPr>
         <p:blipFill>
-          <a:blip r:embed="rId2"/>
+          <a:blip r:embed="rId4"/>
           <a:stretch>
             <a:fillRect/>
           </a:stretch>
         </p:blipFill>
         <p:spPr>
           <a:xfrm>
-            <a:off x="2067521" y="1718744"/>
-            <a:ext cx="8109999" cy="4664119"/>
+            <a:off x="4399325" y="2779802"/>
+            <a:ext cx="6336780" cy="2947339"/>
           </a:xfrm>
           <a:prstGeom prst="rect">
             <a:avLst/>
           </a:prstGeom>
-          <a:ln>
-            <a:noFill/>
-          </a:ln>
-          <a:effectLst>
-            <a:outerShdw blurRad="292100" dist="139700" dir="2700000" algn="tl" rotWithShape="0">
-              <a:srgbClr val="333333">
-                <a:alpha val="65000"/>
-              </a:srgbClr>
-            </a:outerShdw>
-          </a:effectLst>
         </p:spPr>
       </p:pic>
     </p:spTree>
     <p:extLst>
       <p:ext uri="{BB962C8B-B14F-4D97-AF65-F5344CB8AC3E}">
-        <p14:creationId xmlns:p14="http://schemas.microsoft.com/office/powerpoint/2010/main" val="841188578"/>
+        <p14:creationId xmlns:p14="http://schemas.microsoft.com/office/powerpoint/2010/main" val="3429737822"/>
       </p:ext>
     </p:extLst>
   </p:cSld>
@@ -4579,99 +4778,43 @@
       </p:sp>
       <p:sp>
         <p:nvSpPr>
-          <p:cNvPr id="6" name="Rectangle 5"/>
+          <p:cNvPr id="5" name="Rectangle 4"/>
           <p:cNvSpPr/>
           <p:nvPr/>
         </p:nvSpPr>
         <p:spPr>
           <a:xfrm>
-            <a:off x="394177" y="783282"/>
-            <a:ext cx="10826129" cy="388696"/>
+            <a:off x="443600" y="728014"/>
+            <a:ext cx="4011483" cy="400110"/>
           </a:xfrm>
           <a:prstGeom prst="rect">
             <a:avLst/>
           </a:prstGeom>
         </p:spPr>
         <p:txBody>
-          <a:bodyPr wrap="square">
+          <a:bodyPr wrap="none">
             <a:spAutoFit/>
           </a:bodyPr>
           <a:lstStyle/>
           <a:p>
-            <a:pPr lvl="0">
-              <a:lnSpc>
-                <a:spcPct val="107000"/>
-              </a:lnSpc>
-              <a:spcAft>
-                <a:spcPts val="800"/>
-              </a:spcAft>
-            </a:pPr>
-            <a:r>
-              <a:rPr lang="en" dirty="0">
-                <a:latin typeface="Segoe UI" panose="020B0502040204020203" pitchFamily="34" charset="0"/>
-                <a:ea typeface="Calibri" panose="020F0502020204030204" pitchFamily="34" charset="0"/>
-                <a:cs typeface="Times New Roman" panose="02020603050405020304" pitchFamily="18" charset="0"/>
-              </a:rPr>
-              <a:t>Try positioning the cursor on the first column, then between the first and second columns</a:t>
-            </a:r>
-            <a:endParaRPr lang="en-US" sz="1400" dirty="0">
-              <a:effectLst/>
-              <a:latin typeface="Calibri" panose="020F0502020204030204" pitchFamily="34" charset="0"/>
-              <a:ea typeface="Calibri" panose="020F0502020204030204" pitchFamily="34" charset="0"/>
-              <a:cs typeface="Times New Roman" panose="02020603050405020304" pitchFamily="18" charset="0"/>
-            </a:endParaRPr>
-          </a:p>
-        </p:txBody>
-      </p:sp>
-      <p:sp>
-        <p:nvSpPr>
-          <p:cNvPr id="11" name="Rectangle 10"/>
-          <p:cNvSpPr/>
-          <p:nvPr/>
-        </p:nvSpPr>
-        <p:spPr>
-          <a:xfrm>
-            <a:off x="394176" y="6036902"/>
-            <a:ext cx="11231767" cy="685059"/>
-          </a:xfrm>
-          <a:prstGeom prst="rect">
-            <a:avLst/>
-          </a:prstGeom>
-        </p:spPr>
-        <p:txBody>
-          <a:bodyPr wrap="square">
-            <a:spAutoFit/>
-          </a:bodyPr>
-          <a:lstStyle/>
-          <a:p>
-            <a:pPr lvl="0">
-              <a:lnSpc>
-                <a:spcPct val="107000"/>
-              </a:lnSpc>
-              <a:spcAft>
-                <a:spcPts val="800"/>
-              </a:spcAft>
-            </a:pPr>
-            <a:r>
-              <a:rPr lang="en" dirty="0">
-                <a:latin typeface="Segoe UI" panose="020B0502040204020203" pitchFamily="34" charset="0"/>
-                <a:ea typeface="Calibri" panose="020F0502020204030204" pitchFamily="34" charset="0"/>
-                <a:cs typeface="Times New Roman" panose="02020603050405020304" pitchFamily="18" charset="0"/>
-              </a:rPr>
-              <a:t>Note that at the tooltip level you find the rank, also note the differential value of the quantities in addition to the values of the successive quantities</a:t>
-            </a:r>
-            <a:endParaRPr lang="en-US" sz="1400" dirty="0">
-              <a:effectLst/>
-              <a:latin typeface="Calibri" panose="020F0502020204030204" pitchFamily="34" charset="0"/>
-              <a:ea typeface="Calibri" panose="020F0502020204030204" pitchFamily="34" charset="0"/>
-              <a:cs typeface="Times New Roman" panose="02020603050405020304" pitchFamily="18" charset="0"/>
-            </a:endParaRPr>
+            <a:r>
+              <a:rPr lang="en-US" sz="2000" dirty="0"/>
+              <a:t>What is </a:t>
+            </a:r>
+            <a:r>
+              <a:rPr lang="en-US" sz="2000" b="1" dirty="0" smtClean="0"/>
+              <a:t>Small multiples </a:t>
+            </a:r>
+            <a:r>
+              <a:rPr lang="en-US" sz="2000" dirty="0"/>
+              <a:t>in Power BI?</a:t>
+            </a:r>
           </a:p>
         </p:txBody>
       </p:sp>
       <p:pic>
         <p:nvPicPr>
-          <p:cNvPr id="3" name="Picture 2"/>
+          <p:cNvPr id="6" name="Picture 5"/>
           <p:cNvPicPr>
             <a:picLocks noChangeAspect="1"/>
           </p:cNvPicPr>
@@ -4685,61 +4828,127 @@
         </p:blipFill>
         <p:spPr>
           <a:xfrm>
-            <a:off x="627895" y="1500165"/>
-            <a:ext cx="7230484" cy="3905795"/>
+            <a:off x="619519" y="1384067"/>
+            <a:ext cx="3519344" cy="2998388"/>
           </a:xfrm>
           <a:prstGeom prst="rect">
             <a:avLst/>
           </a:prstGeom>
+        </p:spPr>
+      </p:pic>
+      <p:sp>
+        <p:nvSpPr>
+          <p:cNvPr id="9" name="Rectangle 8"/>
+          <p:cNvSpPr/>
+          <p:nvPr/>
+        </p:nvSpPr>
+        <p:spPr>
+          <a:xfrm>
+            <a:off x="696482" y="3593564"/>
+            <a:ext cx="3374971" cy="295633"/>
+          </a:xfrm>
+          <a:prstGeom prst="rect">
+            <a:avLst/>
+          </a:prstGeom>
+          <a:solidFill>
+            <a:srgbClr val="FF0000">
+              <a:alpha val="31000"/>
+            </a:srgbClr>
+          </a:solidFill>
           <a:ln>
             <a:noFill/>
           </a:ln>
-          <a:effectLst>
-            <a:outerShdw blurRad="292100" dist="139700" dir="2700000" algn="tl" rotWithShape="0">
-              <a:srgbClr val="333333">
-                <a:alpha val="65000"/>
-              </a:srgbClr>
-            </a:outerShdw>
-          </a:effectLst>
-        </p:spPr>
-      </p:pic>
-      <p:pic>
-        <p:nvPicPr>
-          <p:cNvPr id="8" name="Picture 7"/>
-          <p:cNvPicPr>
-            <a:picLocks noChangeAspect="1"/>
-          </p:cNvPicPr>
+        </p:spPr>
+        <p:style>
+          <a:lnRef idx="2">
+            <a:schemeClr val="accent1">
+              <a:shade val="50000"/>
+            </a:schemeClr>
+          </a:lnRef>
+          <a:fillRef idx="1">
+            <a:schemeClr val="accent1"/>
+          </a:fillRef>
+          <a:effectRef idx="0">
+            <a:schemeClr val="accent1"/>
+          </a:effectRef>
+          <a:fontRef idx="minor">
+            <a:schemeClr val="lt1"/>
+          </a:fontRef>
+        </p:style>
+        <p:txBody>
+          <a:bodyPr rtlCol="0" anchor="ctr"/>
+          <a:lstStyle/>
+          <a:p>
+            <a:pPr algn="ctr"/>
+            <a:endParaRPr lang="en-US"/>
+          </a:p>
+        </p:txBody>
+      </p:sp>
+      <p:sp>
+        <p:nvSpPr>
+          <p:cNvPr id="7" name="Rectangle 6"/>
+          <p:cNvSpPr/>
           <p:nvPr/>
-        </p:nvPicPr>
-        <p:blipFill rotWithShape="1">
-          <a:blip r:embed="rId3"/>
-          <a:srcRect l="55769" t="58728"/>
-          <a:stretch/>
-        </p:blipFill>
-        <p:spPr>
-          <a:xfrm>
-            <a:off x="6355558" y="1152400"/>
-            <a:ext cx="4864748" cy="2452039"/>
+        </p:nvSpPr>
+        <p:spPr>
+          <a:xfrm>
+            <a:off x="524806" y="4521127"/>
+            <a:ext cx="11073636" cy="707886"/>
           </a:xfrm>
           <a:prstGeom prst="rect">
             <a:avLst/>
           </a:prstGeom>
-          <a:ln>
-            <a:noFill/>
-          </a:ln>
-          <a:effectLst>
-            <a:outerShdw blurRad="292100" dist="139700" dir="2700000" algn="tl" rotWithShape="0">
-              <a:srgbClr val="333333">
-                <a:alpha val="65000"/>
-              </a:srgbClr>
-            </a:outerShdw>
-          </a:effectLst>
-        </p:spPr>
-      </p:pic>
+        </p:spPr>
+        <p:txBody>
+          <a:bodyPr wrap="square">
+            <a:spAutoFit/>
+          </a:bodyPr>
+          <a:lstStyle/>
+          <a:p>
+            <a:r>
+              <a:rPr lang="en-US" sz="2000" b="1" dirty="0"/>
+              <a:t>Small multiples</a:t>
+            </a:r>
+            <a:r>
+              <a:rPr lang="en-US" sz="2000" dirty="0"/>
+              <a:t> allow you to create a </a:t>
+            </a:r>
+            <a:r>
+              <a:rPr lang="en-US" sz="2000" b="1" dirty="0"/>
+              <a:t>series of </a:t>
+            </a:r>
+            <a:r>
+              <a:rPr lang="en-US" sz="2000" b="1" dirty="0" smtClean="0"/>
+              <a:t>mini-charts</a:t>
+            </a:r>
+            <a:r>
+              <a:rPr lang="en-US" sz="2000" dirty="0" smtClean="0"/>
+              <a:t> </a:t>
+            </a:r>
+            <a:r>
+              <a:rPr lang="en-US" sz="2000" dirty="0"/>
+              <a:t>one per value of a </a:t>
+            </a:r>
+            <a:r>
+              <a:rPr lang="en-US" sz="2000" dirty="0" smtClean="0"/>
+              <a:t>field to </a:t>
+            </a:r>
+            <a:r>
+              <a:rPr lang="en-US" sz="2000" dirty="0"/>
+              <a:t>compare performance </a:t>
+            </a:r>
+            <a:r>
+              <a:rPr lang="en-US" sz="2000" b="1" dirty="0"/>
+              <a:t>side by side</a:t>
+            </a:r>
+            <a:endParaRPr lang="en-US" sz="2000" dirty="0"/>
+          </a:p>
+        </p:txBody>
+      </p:sp>
     </p:spTree>
     <p:extLst>
       <p:ext uri="{BB962C8B-B14F-4D97-AF65-F5344CB8AC3E}">
-        <p14:creationId xmlns:p14="http://schemas.microsoft.com/office/powerpoint/2010/main" val="1417619501"/>
+        <p14:creationId xmlns:p14="http://schemas.microsoft.com/office/powerpoint/2010/main" val="3229963561"/>
       </p:ext>
     </p:extLst>
   </p:cSld>
@@ -4750,6 +4959,511 @@
 </file>
 
 <file path=ppt/slides/slide6.xml><?xml version="1.0" encoding="utf-8"?>
+<p:sld xmlns:a="http://schemas.openxmlformats.org/drawingml/2006/main" xmlns:r="http://schemas.openxmlformats.org/officeDocument/2006/relationships" xmlns:p="http://schemas.openxmlformats.org/presentationml/2006/main">
+  <p:cSld>
+    <p:spTree>
+      <p:nvGrpSpPr>
+        <p:cNvPr id="1" name=""/>
+        <p:cNvGrpSpPr/>
+        <p:nvPr/>
+      </p:nvGrpSpPr>
+      <p:grpSpPr>
+        <a:xfrm>
+          <a:off x="0" y="0"/>
+          <a:ext cx="0" cy="0"/>
+          <a:chOff x="0" y="0"/>
+          <a:chExt cx="0" cy="0"/>
+        </a:xfrm>
+      </p:grpSpPr>
+      <p:sp>
+        <p:nvSpPr>
+          <p:cNvPr id="2" name="TextBox 1"/>
+          <p:cNvSpPr txBox="1"/>
+          <p:nvPr/>
+        </p:nvSpPr>
+        <p:spPr>
+          <a:xfrm>
+            <a:off x="323133" y="192505"/>
+            <a:ext cx="1744388" cy="461665"/>
+          </a:xfrm>
+          <a:prstGeom prst="rect">
+            <a:avLst/>
+          </a:prstGeom>
+          <a:noFill/>
+        </p:spPr>
+        <p:txBody>
+          <a:bodyPr wrap="none" rtlCol="0">
+            <a:spAutoFit/>
+          </a:bodyPr>
+          <a:lstStyle/>
+          <a:p>
+            <a:r>
+              <a:rPr lang="en" sz="2400" dirty="0" smtClean="0">
+                <a:latin typeface="Segoe UI" panose="020B0502040204020203" pitchFamily="34" charset="0"/>
+                <a:cs typeface="Segoe UI" panose="020B0502040204020203" pitchFamily="34" charset="0"/>
+              </a:rPr>
+              <a:t>The ribbon</a:t>
+            </a:r>
+            <a:endParaRPr lang="en-US" sz="2400" dirty="0">
+              <a:latin typeface="Segoe UI" panose="020B0502040204020203" pitchFamily="34" charset="0"/>
+              <a:cs typeface="Segoe UI" panose="020B0502040204020203" pitchFamily="34" charset="0"/>
+            </a:endParaRPr>
+          </a:p>
+        </p:txBody>
+      </p:sp>
+      <p:sp>
+        <p:nvSpPr>
+          <p:cNvPr id="3" name="Rectangle 2"/>
+          <p:cNvSpPr/>
+          <p:nvPr/>
+        </p:nvSpPr>
+        <p:spPr>
+          <a:xfrm>
+            <a:off x="323132" y="744658"/>
+            <a:ext cx="10092778" cy="1938992"/>
+          </a:xfrm>
+          <a:prstGeom prst="rect">
+            <a:avLst/>
+          </a:prstGeom>
+        </p:spPr>
+        <p:txBody>
+          <a:bodyPr wrap="square">
+            <a:spAutoFit/>
+          </a:bodyPr>
+          <a:lstStyle/>
+          <a:p>
+            <a:r>
+              <a:rPr lang="en-US" sz="2000" dirty="0">
+                <a:latin typeface="Segoe UI" panose="020B0502040204020203" pitchFamily="34" charset="0"/>
+                <a:cs typeface="Segoe UI" panose="020B0502040204020203" pitchFamily="34" charset="0"/>
+              </a:rPr>
+              <a:t>Use it when you want to</a:t>
+            </a:r>
+            <a:r>
+              <a:rPr lang="en-US" sz="2000" dirty="0" smtClean="0">
+                <a:latin typeface="Segoe UI" panose="020B0502040204020203" pitchFamily="34" charset="0"/>
+                <a:cs typeface="Segoe UI" panose="020B0502040204020203" pitchFamily="34" charset="0"/>
+              </a:rPr>
+              <a:t>:</a:t>
+            </a:r>
+          </a:p>
+          <a:p>
+            <a:endParaRPr lang="en-US" sz="2000" dirty="0">
+              <a:latin typeface="Segoe UI" panose="020B0502040204020203" pitchFamily="34" charset="0"/>
+              <a:cs typeface="Segoe UI" panose="020B0502040204020203" pitchFamily="34" charset="0"/>
+            </a:endParaRPr>
+          </a:p>
+          <a:p>
+            <a:pPr lvl="1">
+              <a:buFont typeface="Arial" panose="020B0604020202020204" pitchFamily="34" charset="0"/>
+              <a:buChar char="•"/>
+            </a:pPr>
+            <a:r>
+              <a:rPr lang="en-US" sz="2000" dirty="0">
+                <a:latin typeface="Segoe UI" panose="020B0502040204020203" pitchFamily="34" charset="0"/>
+                <a:cs typeface="Segoe UI" panose="020B0502040204020203" pitchFamily="34" charset="0"/>
+              </a:rPr>
+              <a:t>Compare trends </a:t>
+            </a:r>
+            <a:r>
+              <a:rPr lang="en-US" sz="2000" b="1" dirty="0">
+                <a:latin typeface="Segoe UI" panose="020B0502040204020203" pitchFamily="34" charset="0"/>
+                <a:cs typeface="Segoe UI" panose="020B0502040204020203" pitchFamily="34" charset="0"/>
+              </a:rPr>
+              <a:t>across subgroups</a:t>
+            </a:r>
+            <a:endParaRPr lang="en-US" sz="2000" dirty="0">
+              <a:latin typeface="Segoe UI" panose="020B0502040204020203" pitchFamily="34" charset="0"/>
+              <a:cs typeface="Segoe UI" panose="020B0502040204020203" pitchFamily="34" charset="0"/>
+            </a:endParaRPr>
+          </a:p>
+          <a:p>
+            <a:pPr lvl="1">
+              <a:buFont typeface="Arial" panose="020B0604020202020204" pitchFamily="34" charset="0"/>
+              <a:buChar char="•"/>
+            </a:pPr>
+            <a:r>
+              <a:rPr lang="en-US" sz="2000" dirty="0">
+                <a:latin typeface="Segoe UI" panose="020B0502040204020203" pitchFamily="34" charset="0"/>
+                <a:cs typeface="Segoe UI" panose="020B0502040204020203" pitchFamily="34" charset="0"/>
+              </a:rPr>
+              <a:t>Avoid over-cluttered charts</a:t>
+            </a:r>
+          </a:p>
+          <a:p>
+            <a:pPr lvl="1">
+              <a:buFont typeface="Arial" panose="020B0604020202020204" pitchFamily="34" charset="0"/>
+              <a:buChar char="•"/>
+            </a:pPr>
+            <a:r>
+              <a:rPr lang="en-US" sz="2000" dirty="0">
+                <a:latin typeface="Segoe UI" panose="020B0502040204020203" pitchFamily="34" charset="0"/>
+                <a:cs typeface="Segoe UI" panose="020B0502040204020203" pitchFamily="34" charset="0"/>
+              </a:rPr>
+              <a:t>Preserve the </a:t>
+            </a:r>
+            <a:r>
+              <a:rPr lang="en-US" sz="2000" b="1" dirty="0">
+                <a:latin typeface="Segoe UI" panose="020B0502040204020203" pitchFamily="34" charset="0"/>
+                <a:cs typeface="Segoe UI" panose="020B0502040204020203" pitchFamily="34" charset="0"/>
+              </a:rPr>
+              <a:t>same axis scales</a:t>
+            </a:r>
+            <a:r>
+              <a:rPr lang="en-US" sz="2000" dirty="0">
+                <a:latin typeface="Segoe UI" panose="020B0502040204020203" pitchFamily="34" charset="0"/>
+                <a:cs typeface="Segoe UI" panose="020B0502040204020203" pitchFamily="34" charset="0"/>
+              </a:rPr>
+              <a:t> across all charts for easier </a:t>
+            </a:r>
+            <a:r>
+              <a:rPr lang="en-US" sz="2000" dirty="0" smtClean="0">
+                <a:latin typeface="Segoe UI" panose="020B0502040204020203" pitchFamily="34" charset="0"/>
+                <a:cs typeface="Segoe UI" panose="020B0502040204020203" pitchFamily="34" charset="0"/>
+              </a:rPr>
+              <a:t>comparison</a:t>
+            </a:r>
+          </a:p>
+          <a:p>
+            <a:pPr lvl="1">
+              <a:buFont typeface="Arial" panose="020B0604020202020204" pitchFamily="34" charset="0"/>
+              <a:buChar char="•"/>
+            </a:pPr>
+            <a:r>
+              <a:rPr lang="en-US" sz="2000" dirty="0"/>
+              <a:t>It should be a field with a </a:t>
+            </a:r>
+            <a:r>
+              <a:rPr lang="en-US" sz="2000" b="1" dirty="0"/>
+              <a:t>limited number of distinct values</a:t>
+            </a:r>
+            <a:r>
+              <a:rPr lang="en-US" sz="2000" dirty="0"/>
+              <a:t> (less than 20 is ideal)</a:t>
+            </a:r>
+            <a:endParaRPr lang="en-US" sz="2000" dirty="0">
+              <a:latin typeface="Segoe UI" panose="020B0502040204020203" pitchFamily="34" charset="0"/>
+              <a:cs typeface="Segoe UI" panose="020B0502040204020203" pitchFamily="34" charset="0"/>
+            </a:endParaRPr>
+          </a:p>
+        </p:txBody>
+      </p:sp>
+      <p:sp>
+        <p:nvSpPr>
+          <p:cNvPr id="8" name="Rectangle 7"/>
+          <p:cNvSpPr/>
+          <p:nvPr/>
+        </p:nvSpPr>
+        <p:spPr>
+          <a:xfrm>
+            <a:off x="-19481" y="2774138"/>
+            <a:ext cx="10778003" cy="400110"/>
+          </a:xfrm>
+          <a:prstGeom prst="rect">
+            <a:avLst/>
+          </a:prstGeom>
+        </p:spPr>
+        <p:txBody>
+          <a:bodyPr wrap="square">
+            <a:spAutoFit/>
+          </a:bodyPr>
+          <a:lstStyle/>
+          <a:p>
+            <a:pPr lvl="1"/>
+            <a:r>
+              <a:rPr lang="fr-FR" sz="2000" b="1" dirty="0" err="1" smtClean="0">
+                <a:latin typeface="Segoe UI" panose="020B0502040204020203" pitchFamily="34" charset="0"/>
+                <a:cs typeface="Segoe UI" panose="020B0502040204020203" pitchFamily="34" charset="0"/>
+              </a:rPr>
+              <a:t>Example</a:t>
+            </a:r>
+            <a:r>
+              <a:rPr lang="fr-FR" sz="2000" b="1" dirty="0" smtClean="0">
+                <a:latin typeface="Segoe UI" panose="020B0502040204020203" pitchFamily="34" charset="0"/>
+                <a:cs typeface="Segoe UI" panose="020B0502040204020203" pitchFamily="34" charset="0"/>
+              </a:rPr>
+              <a:t>:</a:t>
+            </a:r>
+            <a:r>
+              <a:rPr lang="fr-FR" sz="2000" dirty="0" smtClean="0">
+                <a:latin typeface="Segoe UI" panose="020B0502040204020203" pitchFamily="34" charset="0"/>
+                <a:cs typeface="Segoe UI" panose="020B0502040204020203" pitchFamily="34" charset="0"/>
+              </a:rPr>
+              <a:t> </a:t>
+            </a:r>
+            <a:r>
+              <a:rPr lang="fr-FR" sz="2000" dirty="0" err="1" smtClean="0">
+                <a:latin typeface="Segoe UI" panose="020B0502040204020203" pitchFamily="34" charset="0"/>
+                <a:cs typeface="Segoe UI" panose="020B0502040204020203" pitchFamily="34" charset="0"/>
+              </a:rPr>
+              <a:t>Decomposing</a:t>
+            </a:r>
+            <a:r>
+              <a:rPr lang="fr-FR" sz="2000" dirty="0" smtClean="0">
+                <a:latin typeface="Segoe UI" panose="020B0502040204020203" pitchFamily="34" charset="0"/>
+                <a:cs typeface="Segoe UI" panose="020B0502040204020203" pitchFamily="34" charset="0"/>
+              </a:rPr>
+              <a:t> the main chart on </a:t>
+            </a:r>
+            <a:r>
+              <a:rPr lang="fr-FR" sz="2000" dirty="0" err="1" smtClean="0">
+                <a:latin typeface="Segoe UI" panose="020B0502040204020203" pitchFamily="34" charset="0"/>
+                <a:cs typeface="Segoe UI" panose="020B0502040204020203" pitchFamily="34" charset="0"/>
+              </a:rPr>
+              <a:t>mensual</a:t>
+            </a:r>
+            <a:r>
+              <a:rPr lang="fr-FR" sz="2000" dirty="0" smtClean="0">
+                <a:latin typeface="Segoe UI" panose="020B0502040204020203" pitchFamily="34" charset="0"/>
+                <a:cs typeface="Segoe UI" panose="020B0502040204020203" pitchFamily="34" charset="0"/>
+              </a:rPr>
+              <a:t> </a:t>
+            </a:r>
+            <a:r>
+              <a:rPr lang="fr-FR" sz="2000" dirty="0" err="1" smtClean="0">
+                <a:latin typeface="Segoe UI" panose="020B0502040204020203" pitchFamily="34" charset="0"/>
+                <a:cs typeface="Segoe UI" panose="020B0502040204020203" pitchFamily="34" charset="0"/>
+              </a:rPr>
+              <a:t>analysis</a:t>
+            </a:r>
+            <a:r>
+              <a:rPr lang="fr-FR" sz="2000" dirty="0" smtClean="0">
+                <a:latin typeface="Segoe UI" panose="020B0502040204020203" pitchFamily="34" charset="0"/>
+                <a:cs typeface="Segoe UI" panose="020B0502040204020203" pitchFamily="34" charset="0"/>
+              </a:rPr>
+              <a:t> charts</a:t>
+            </a:r>
+            <a:endParaRPr lang="en-US" sz="2000" dirty="0">
+              <a:latin typeface="Segoe UI" panose="020B0502040204020203" pitchFamily="34" charset="0"/>
+              <a:cs typeface="Segoe UI" panose="020B0502040204020203" pitchFamily="34" charset="0"/>
+            </a:endParaRPr>
+          </a:p>
+        </p:txBody>
+      </p:sp>
+    </p:spTree>
+    <p:extLst>
+      <p:ext uri="{BB962C8B-B14F-4D97-AF65-F5344CB8AC3E}">
+        <p14:creationId xmlns:p14="http://schemas.microsoft.com/office/powerpoint/2010/main" val="1043153564"/>
+      </p:ext>
+    </p:extLst>
+  </p:cSld>
+  <p:clrMapOvr>
+    <a:masterClrMapping/>
+  </p:clrMapOvr>
+</p:sld>
+</file>
+
+<file path=ppt/slides/slide7.xml><?xml version="1.0" encoding="utf-8"?>
+<p:sld xmlns:a="http://schemas.openxmlformats.org/drawingml/2006/main" xmlns:r="http://schemas.openxmlformats.org/officeDocument/2006/relationships" xmlns:p="http://schemas.openxmlformats.org/presentationml/2006/main">
+  <p:cSld>
+    <p:spTree>
+      <p:nvGrpSpPr>
+        <p:cNvPr id="1" name=""/>
+        <p:cNvGrpSpPr/>
+        <p:nvPr/>
+      </p:nvGrpSpPr>
+      <p:grpSpPr>
+        <a:xfrm>
+          <a:off x="0" y="0"/>
+          <a:ext cx="0" cy="0"/>
+          <a:chOff x="0" y="0"/>
+          <a:chExt cx="0" cy="0"/>
+        </a:xfrm>
+      </p:grpSpPr>
+      <p:sp>
+        <p:nvSpPr>
+          <p:cNvPr id="2" name="TextBox 1"/>
+          <p:cNvSpPr txBox="1"/>
+          <p:nvPr/>
+        </p:nvSpPr>
+        <p:spPr>
+          <a:xfrm>
+            <a:off x="323133" y="192505"/>
+            <a:ext cx="1744388" cy="461665"/>
+          </a:xfrm>
+          <a:prstGeom prst="rect">
+            <a:avLst/>
+          </a:prstGeom>
+          <a:noFill/>
+        </p:spPr>
+        <p:txBody>
+          <a:bodyPr wrap="none" rtlCol="0">
+            <a:spAutoFit/>
+          </a:bodyPr>
+          <a:lstStyle/>
+          <a:p>
+            <a:r>
+              <a:rPr lang="en" sz="2400" dirty="0" smtClean="0">
+                <a:latin typeface="Segoe UI" panose="020B0502040204020203" pitchFamily="34" charset="0"/>
+                <a:cs typeface="Segoe UI" panose="020B0502040204020203" pitchFamily="34" charset="0"/>
+              </a:rPr>
+              <a:t>The ribbon</a:t>
+            </a:r>
+            <a:endParaRPr lang="en-US" sz="2400" dirty="0">
+              <a:latin typeface="Segoe UI" panose="020B0502040204020203" pitchFamily="34" charset="0"/>
+              <a:cs typeface="Segoe UI" panose="020B0502040204020203" pitchFamily="34" charset="0"/>
+            </a:endParaRPr>
+          </a:p>
+        </p:txBody>
+      </p:sp>
+      <p:pic>
+        <p:nvPicPr>
+          <p:cNvPr id="5" name="Picture 4"/>
+          <p:cNvPicPr>
+            <a:picLocks noChangeAspect="1"/>
+          </p:cNvPicPr>
+          <p:nvPr/>
+        </p:nvPicPr>
+        <p:blipFill>
+          <a:blip r:embed="rId3"/>
+          <a:stretch>
+            <a:fillRect/>
+          </a:stretch>
+        </p:blipFill>
+        <p:spPr>
+          <a:xfrm>
+            <a:off x="687519" y="810211"/>
+            <a:ext cx="3911982" cy="2948025"/>
+          </a:xfrm>
+          <a:prstGeom prst="rect">
+            <a:avLst/>
+          </a:prstGeom>
+        </p:spPr>
+      </p:pic>
+      <p:pic>
+        <p:nvPicPr>
+          <p:cNvPr id="6" name="Picture 5"/>
+          <p:cNvPicPr>
+            <a:picLocks noChangeAspect="1"/>
+          </p:cNvPicPr>
+          <p:nvPr/>
+        </p:nvPicPr>
+        <p:blipFill>
+          <a:blip r:embed="rId4"/>
+          <a:stretch>
+            <a:fillRect/>
+          </a:stretch>
+        </p:blipFill>
+        <p:spPr>
+          <a:xfrm>
+            <a:off x="4879540" y="810211"/>
+            <a:ext cx="4016625" cy="2948025"/>
+          </a:xfrm>
+          <a:prstGeom prst="rect">
+            <a:avLst/>
+          </a:prstGeom>
+        </p:spPr>
+      </p:pic>
+      <p:pic>
+        <p:nvPicPr>
+          <p:cNvPr id="7" name="Picture 6"/>
+          <p:cNvPicPr>
+            <a:picLocks noChangeAspect="1"/>
+          </p:cNvPicPr>
+          <p:nvPr/>
+        </p:nvPicPr>
+        <p:blipFill>
+          <a:blip r:embed="rId5"/>
+          <a:stretch>
+            <a:fillRect/>
+          </a:stretch>
+        </p:blipFill>
+        <p:spPr>
+          <a:xfrm>
+            <a:off x="687519" y="3844397"/>
+            <a:ext cx="3911982" cy="2897426"/>
+          </a:xfrm>
+          <a:prstGeom prst="rect">
+            <a:avLst/>
+          </a:prstGeom>
+        </p:spPr>
+      </p:pic>
+      <p:pic>
+        <p:nvPicPr>
+          <p:cNvPr id="9" name="Picture 8"/>
+          <p:cNvPicPr>
+            <a:picLocks noChangeAspect="1"/>
+          </p:cNvPicPr>
+          <p:nvPr/>
+        </p:nvPicPr>
+        <p:blipFill>
+          <a:blip r:embed="rId6"/>
+          <a:stretch>
+            <a:fillRect/>
+          </a:stretch>
+        </p:blipFill>
+        <p:spPr>
+          <a:xfrm>
+            <a:off x="5342021" y="3979533"/>
+            <a:ext cx="3312953" cy="2878467"/>
+          </a:xfrm>
+          <a:prstGeom prst="rect">
+            <a:avLst/>
+          </a:prstGeom>
+        </p:spPr>
+      </p:pic>
+      <p:sp>
+        <p:nvSpPr>
+          <p:cNvPr id="11" name="Rectangle 10"/>
+          <p:cNvSpPr/>
+          <p:nvPr/>
+        </p:nvSpPr>
+        <p:spPr>
+          <a:xfrm>
+            <a:off x="5405827" y="6432114"/>
+            <a:ext cx="3249147" cy="276564"/>
+          </a:xfrm>
+          <a:prstGeom prst="rect">
+            <a:avLst/>
+          </a:prstGeom>
+          <a:solidFill>
+            <a:srgbClr val="FF0000">
+              <a:alpha val="31000"/>
+            </a:srgbClr>
+          </a:solidFill>
+          <a:ln>
+            <a:noFill/>
+          </a:ln>
+        </p:spPr>
+        <p:style>
+          <a:lnRef idx="2">
+            <a:schemeClr val="accent1">
+              <a:shade val="50000"/>
+            </a:schemeClr>
+          </a:lnRef>
+          <a:fillRef idx="1">
+            <a:schemeClr val="accent1"/>
+          </a:fillRef>
+          <a:effectRef idx="0">
+            <a:schemeClr val="accent1"/>
+          </a:effectRef>
+          <a:fontRef idx="minor">
+            <a:schemeClr val="lt1"/>
+          </a:fontRef>
+        </p:style>
+        <p:txBody>
+          <a:bodyPr rtlCol="0" anchor="ctr"/>
+          <a:lstStyle/>
+          <a:p>
+            <a:pPr algn="ctr"/>
+            <a:endParaRPr lang="en-US"/>
+          </a:p>
+        </p:txBody>
+      </p:sp>
+    </p:spTree>
+    <p:extLst>
+      <p:ext uri="{BB962C8B-B14F-4D97-AF65-F5344CB8AC3E}">
+        <p14:creationId xmlns:p14="http://schemas.microsoft.com/office/powerpoint/2010/main" val="1068867205"/>
+      </p:ext>
+    </p:extLst>
+  </p:cSld>
+  <p:clrMapOvr>
+    <a:masterClrMapping/>
+  </p:clrMapOvr>
+</p:sld>
+</file>
+
+<file path=ppt/slides/slide8.xml><?xml version="1.0" encoding="utf-8"?>
 <p:sld xmlns:a="http://schemas.openxmlformats.org/drawingml/2006/main" xmlns:r="http://schemas.openxmlformats.org/officeDocument/2006/relationships" xmlns:p="http://schemas.openxmlformats.org/presentationml/2006/main">
   <p:cSld>
     <p:bg>
